--- a/files/slides/Day02.pptx
+++ b/files/slides/Day02.pptx
@@ -9,14 +9,14 @@
   </p:notesMasterIdLst>
   <p:sldIdLst>
     <p:sldId id="256" r:id="rId2"/>
-    <p:sldId id="259" r:id="rId3"/>
-    <p:sldId id="260" r:id="rId4"/>
-    <p:sldId id="261" r:id="rId5"/>
-    <p:sldId id="274" r:id="rId6"/>
-    <p:sldId id="262" r:id="rId7"/>
-    <p:sldId id="275" r:id="rId8"/>
-    <p:sldId id="277" r:id="rId9"/>
-    <p:sldId id="297" r:id="rId10"/>
+    <p:sldId id="301" r:id="rId3"/>
+    <p:sldId id="259" r:id="rId4"/>
+    <p:sldId id="260" r:id="rId5"/>
+    <p:sldId id="261" r:id="rId6"/>
+    <p:sldId id="274" r:id="rId7"/>
+    <p:sldId id="262" r:id="rId8"/>
+    <p:sldId id="275" r:id="rId9"/>
+    <p:sldId id="277" r:id="rId10"/>
     <p:sldId id="280" r:id="rId11"/>
     <p:sldId id="281" r:id="rId12"/>
     <p:sldId id="282" r:id="rId13"/>
@@ -632,7 +632,7 @@
           <a:p>
             <a:fld id="{258BCE6C-BBA1-664A-9FFE-9D97903C5543}" type="slidenum">
               <a:rPr lang="en-US" smtClean="0"/>
-              <a:t>13</a:t>
+              <a:t>14</a:t>
             </a:fld>
             <a:endParaRPr lang="en-US"/>
           </a:p>
@@ -695,90 +695,6 @@
           <a:bodyPr/>
           <a:lstStyle/>
           <a:p>
-            <a:endParaRPr lang="en-US" dirty="0"/>
-          </a:p>
-        </p:txBody>
-      </p:sp>
-      <p:sp>
-        <p:nvSpPr>
-          <p:cNvPr id="4" name="Slide Number Placeholder 3"/>
-          <p:cNvSpPr>
-            <a:spLocks noGrp="1"/>
-          </p:cNvSpPr>
-          <p:nvPr>
-            <p:ph type="sldNum" sz="quarter" idx="10"/>
-          </p:nvPr>
-        </p:nvSpPr>
-        <p:spPr/>
-        <p:txBody>
-          <a:bodyPr/>
-          <a:lstStyle/>
-          <a:p>
-            <a:fld id="{258BCE6C-BBA1-664A-9FFE-9D97903C5543}" type="slidenum">
-              <a:rPr lang="en-US" smtClean="0"/>
-              <a:t>14</a:t>
-            </a:fld>
-            <a:endParaRPr lang="en-US"/>
-          </a:p>
-        </p:txBody>
-      </p:sp>
-    </p:spTree>
-    <p:extLst>
-      <p:ext uri="{BB962C8B-B14F-4D97-AF65-F5344CB8AC3E}">
-        <p14:creationId xmlns:p14="http://schemas.microsoft.com/office/powerpoint/2010/main" val="1047649356"/>
-      </p:ext>
-    </p:extLst>
-  </p:cSld>
-  <p:clrMapOvr>
-    <a:masterClrMapping/>
-  </p:clrMapOvr>
-</p:notes>
-</file>
-
-<file path=ppt/notesSlides/notesSlide12.xml><?xml version="1.0" encoding="utf-8"?>
-<p:notes xmlns:a="http://schemas.openxmlformats.org/drawingml/2006/main" xmlns:r="http://schemas.openxmlformats.org/officeDocument/2006/relationships" xmlns:p="http://schemas.openxmlformats.org/presentationml/2006/main">
-  <p:cSld>
-    <p:spTree>
-      <p:nvGrpSpPr>
-        <p:cNvPr id="1" name=""/>
-        <p:cNvGrpSpPr/>
-        <p:nvPr/>
-      </p:nvGrpSpPr>
-      <p:grpSpPr>
-        <a:xfrm>
-          <a:off x="0" y="0"/>
-          <a:ext cx="0" cy="0"/>
-          <a:chOff x="0" y="0"/>
-          <a:chExt cx="0" cy="0"/>
-        </a:xfrm>
-      </p:grpSpPr>
-      <p:sp>
-        <p:nvSpPr>
-          <p:cNvPr id="2" name="Slide Image Placeholder 1"/>
-          <p:cNvSpPr>
-            <a:spLocks noGrp="1" noRot="1" noChangeAspect="1"/>
-          </p:cNvSpPr>
-          <p:nvPr>
-            <p:ph type="sldImg"/>
-          </p:nvPr>
-        </p:nvSpPr>
-        <p:spPr/>
-      </p:sp>
-      <p:sp>
-        <p:nvSpPr>
-          <p:cNvPr id="3" name="Notes Placeholder 2"/>
-          <p:cNvSpPr>
-            <a:spLocks noGrp="1"/>
-          </p:cNvSpPr>
-          <p:nvPr>
-            <p:ph type="body" idx="1"/>
-          </p:nvPr>
-        </p:nvSpPr>
-        <p:spPr/>
-        <p:txBody>
-          <a:bodyPr/>
-          <a:lstStyle/>
-          <a:p>
             <a:r>
               <a:rPr lang="en-US" dirty="0" smtClean="0"/>
               <a:t>More convenient to work with than RNA.</a:t>
@@ -899,7 +815,7 @@
 </p:notes>
 </file>
 
-<file path=ppt/notesSlides/notesSlide13.xml><?xml version="1.0" encoding="utf-8"?>
+<file path=ppt/notesSlides/notesSlide12.xml><?xml version="1.0" encoding="utf-8"?>
 <p:notes xmlns:a="http://schemas.openxmlformats.org/drawingml/2006/main" xmlns:r="http://schemas.openxmlformats.org/officeDocument/2006/relationships" xmlns:p="http://schemas.openxmlformats.org/presentationml/2006/main">
   <p:cSld>
     <p:spTree>
@@ -1048,7 +964,7 @@
           <a:p>
             <a:fld id="{258BCE6C-BBA1-664A-9FFE-9D97903C5543}" type="slidenum">
               <a:rPr lang="en-US" smtClean="0"/>
-              <a:t>2</a:t>
+              <a:t>3</a:t>
             </a:fld>
             <a:endParaRPr lang="en-US"/>
           </a:p>
@@ -1136,7 +1052,7 @@
           <a:p>
             <a:fld id="{258BCE6C-BBA1-664A-9FFE-9D97903C5543}" type="slidenum">
               <a:rPr lang="en-US" smtClean="0"/>
-              <a:t>4</a:t>
+              <a:t>5</a:t>
             </a:fld>
             <a:endParaRPr lang="en-US"/>
           </a:p>
@@ -1259,7 +1175,7 @@
           <a:p>
             <a:fld id="{258BCE6C-BBA1-664A-9FFE-9D97903C5543}" type="slidenum">
               <a:rPr lang="en-US" smtClean="0"/>
-              <a:t>5</a:t>
+              <a:t>6</a:t>
             </a:fld>
             <a:endParaRPr lang="en-US"/>
           </a:p>
@@ -1343,7 +1259,7 @@
           <a:p>
             <a:fld id="{258BCE6C-BBA1-664A-9FFE-9D97903C5543}" type="slidenum">
               <a:rPr lang="en-US" smtClean="0"/>
-              <a:t>8</a:t>
+              <a:t>9</a:t>
             </a:fld>
             <a:endParaRPr lang="en-US"/>
           </a:p>
@@ -1427,7 +1343,7 @@
           <a:p>
             <a:fld id="{258BCE6C-BBA1-664A-9FFE-9D97903C5543}" type="slidenum">
               <a:rPr lang="en-US" smtClean="0"/>
-              <a:t>9</a:t>
+              <a:t>10</a:t>
             </a:fld>
             <a:endParaRPr lang="en-US"/>
           </a:p>
@@ -1511,7 +1427,7 @@
           <a:p>
             <a:fld id="{258BCE6C-BBA1-664A-9FFE-9D97903C5543}" type="slidenum">
               <a:rPr lang="en-US" smtClean="0"/>
-              <a:t>10</a:t>
+              <a:t>11</a:t>
             </a:fld>
             <a:endParaRPr lang="en-US"/>
           </a:p>
@@ -1595,7 +1511,7 @@
           <a:p>
             <a:fld id="{258BCE6C-BBA1-664A-9FFE-9D97903C5543}" type="slidenum">
               <a:rPr lang="en-US" smtClean="0"/>
-              <a:t>11</a:t>
+              <a:t>12</a:t>
             </a:fld>
             <a:endParaRPr lang="en-US"/>
           </a:p>
@@ -1679,7 +1595,7 @@
           <a:p>
             <a:fld id="{258BCE6C-BBA1-664A-9FFE-9D97903C5543}" type="slidenum">
               <a:rPr lang="en-US" smtClean="0"/>
-              <a:t>12</a:t>
+              <a:t>13</a:t>
             </a:fld>
             <a:endParaRPr lang="en-US"/>
           </a:p>
@@ -4703,11 +4619,7 @@
           <a:p>
             <a:r>
               <a:rPr lang="en-US" dirty="0" smtClean="0"/>
-              <a:t>Protein Synthesis and </a:t>
-            </a:r>
-            <a:r>
-              <a:rPr lang="en-US" smtClean="0"/>
-              <a:t>Gene Finding</a:t>
+              <a:t>Protein Synthesis and Gene Finding</a:t>
             </a:r>
             <a:endParaRPr lang="en-US" dirty="0"/>
           </a:p>
@@ -5784,7 +5696,7 @@
           <a:p>
             <a:r>
               <a:rPr lang="en-US" dirty="0" smtClean="0"/>
-              <a:t>Coding Strand</a:t>
+              <a:t>Sense Strand</a:t>
             </a:r>
             <a:endParaRPr lang="en-US" dirty="0"/>
           </a:p>
@@ -11402,8 +11314,13 @@
           <a:p>
             <a:r>
               <a:rPr lang="en-US" dirty="0"/>
-              <a:t>6 Reading Frames: Reading Frame 5</a:t>
-            </a:r>
+              <a:t>6 Reading Frames: Reading </a:t>
+            </a:r>
+            <a:r>
+              <a:rPr lang="en-US" dirty="0" smtClean="0"/>
+              <a:t>Frame 1</a:t>
+            </a:r>
+            <a:endParaRPr lang="en-US" dirty="0"/>
           </a:p>
         </p:txBody>
       </p:sp>
@@ -12647,8 +12564,13 @@
           <a:p>
             <a:r>
               <a:rPr lang="en-US" dirty="0"/>
-              <a:t>6 Reading Frames: Reading Frame 5</a:t>
-            </a:r>
+              <a:t>6 Reading Frames: Reading Frame </a:t>
+            </a:r>
+            <a:r>
+              <a:rPr lang="en-US" dirty="0" smtClean="0"/>
+              <a:t>2</a:t>
+            </a:r>
+            <a:endParaRPr lang="en-US" dirty="0"/>
           </a:p>
         </p:txBody>
       </p:sp>
@@ -13935,7 +13857,11 @@
           <a:p>
             <a:r>
               <a:rPr lang="en-US" sz="4000" dirty="0" smtClean="0"/>
-              <a:t>6 Reading Frames: Reading Frame 6</a:t>
+              <a:t>6 Reading Frames: Reading Frame </a:t>
+            </a:r>
+            <a:r>
+              <a:rPr lang="en-US" sz="4000" dirty="0" smtClean="0"/>
+              <a:t>3</a:t>
             </a:r>
             <a:endParaRPr lang="en-US" sz="4000" dirty="0"/>
           </a:p>
@@ -15224,8 +15150,13 @@
           <a:p>
             <a:r>
               <a:rPr lang="en-US" dirty="0"/>
-              <a:t>6 Reading Frames: Reading Frame 5</a:t>
-            </a:r>
+              <a:t>6 Reading Frames: Reading Frame </a:t>
+            </a:r>
+            <a:r>
+              <a:rPr lang="en-US" dirty="0" smtClean="0"/>
+              <a:t>4</a:t>
+            </a:r>
+            <a:endParaRPr lang="en-US" dirty="0"/>
           </a:p>
         </p:txBody>
       </p:sp>
@@ -16467,124 +16398,57 @@
           <a:p>
             <a:r>
               <a:rPr lang="en-US" dirty="0" smtClean="0"/>
-              <a:t>Bio Crash Course: DNA</a:t>
+              <a:t>DNA Analysis</a:t>
             </a:r>
             <a:endParaRPr lang="en-US" dirty="0"/>
           </a:p>
         </p:txBody>
       </p:sp>
-      <p:pic>
-        <p:nvPicPr>
-          <p:cNvPr id="5" name="Picture 4"/>
-          <p:cNvPicPr>
-            <a:picLocks noChangeAspect="1"/>
-          </p:cNvPicPr>
-          <p:nvPr/>
-        </p:nvPicPr>
-        <p:blipFill>
-          <a:blip r:embed="rId3"/>
-          <a:stretch>
-            <a:fillRect/>
-          </a:stretch>
-        </p:blipFill>
-        <p:spPr>
-          <a:xfrm>
-            <a:off x="912506" y="1417638"/>
-            <a:ext cx="3439269" cy="3493516"/>
-          </a:xfrm>
-          <a:prstGeom prst="rect">
-            <a:avLst/>
-          </a:prstGeom>
-        </p:spPr>
-      </p:pic>
-      <p:sp>
-        <p:nvSpPr>
-          <p:cNvPr id="6" name="TextBox 5"/>
-          <p:cNvSpPr txBox="1"/>
-          <p:nvPr/>
-        </p:nvSpPr>
-        <p:spPr>
-          <a:xfrm>
-            <a:off x="306504" y="4954201"/>
-            <a:ext cx="4644925" cy="1569660"/>
-          </a:xfrm>
-          <a:prstGeom prst="rect">
-            <a:avLst/>
-          </a:prstGeom>
-          <a:noFill/>
-        </p:spPr>
-        <p:txBody>
-          <a:bodyPr wrap="square" rtlCol="0">
-            <a:spAutoFit/>
-          </a:bodyPr>
+      <p:sp>
+        <p:nvSpPr>
+          <p:cNvPr id="3" name="Content Placeholder 2"/>
+          <p:cNvSpPr>
+            <a:spLocks noGrp="1"/>
+          </p:cNvSpPr>
+          <p:nvPr>
+            <p:ph idx="1"/>
+          </p:nvPr>
+        </p:nvSpPr>
+        <p:spPr/>
+        <p:txBody>
+          <a:bodyPr/>
           <a:lstStyle/>
           <a:p>
             <a:r>
-              <a:rPr lang="en-US" sz="2400" dirty="0" smtClean="0"/>
-              <a:t>Photo 51: X-ray diffraction created by Raymond Gosling under the supervision of Rosalind Franklin May, 1952</a:t>
-            </a:r>
-            <a:endParaRPr lang="en-US" sz="2400" dirty="0"/>
-          </a:p>
-        </p:txBody>
-      </p:sp>
-      <p:pic>
-        <p:nvPicPr>
-          <p:cNvPr id="7" name="Picture 6"/>
-          <p:cNvPicPr>
-            <a:picLocks noChangeAspect="1"/>
-          </p:cNvPicPr>
-          <p:nvPr/>
-        </p:nvPicPr>
-        <p:blipFill>
-          <a:blip r:embed="rId4"/>
-          <a:stretch>
-            <a:fillRect/>
-          </a:stretch>
-        </p:blipFill>
-        <p:spPr>
-          <a:xfrm>
-            <a:off x="5193284" y="1417638"/>
-            <a:ext cx="3493516" cy="3493516"/>
-          </a:xfrm>
-          <a:prstGeom prst="rect">
-            <a:avLst/>
-          </a:prstGeom>
-        </p:spPr>
-      </p:pic>
-      <p:sp>
-        <p:nvSpPr>
-          <p:cNvPr id="8" name="TextBox 7"/>
-          <p:cNvSpPr txBox="1"/>
-          <p:nvPr/>
-        </p:nvSpPr>
-        <p:spPr>
-          <a:xfrm>
-            <a:off x="5214812" y="5036552"/>
-            <a:ext cx="3439269" cy="830997"/>
-          </a:xfrm>
-          <a:prstGeom prst="rect">
-            <a:avLst/>
-          </a:prstGeom>
-          <a:noFill/>
-        </p:spPr>
-        <p:txBody>
-          <a:bodyPr wrap="square" rtlCol="0">
-            <a:spAutoFit/>
-          </a:bodyPr>
-          <a:lstStyle/>
-          <a:p>
-            <a:r>
-              <a:rPr lang="en-US" sz="2400" dirty="0" smtClean="0"/>
-              <a:t>Double Helix Structure: Watson and Crick</a:t>
-            </a:r>
-            <a:endParaRPr lang="en-US" sz="2400" dirty="0"/>
+              <a:rPr lang="en-US" dirty="0" smtClean="0"/>
+              <a:t>23andMe</a:t>
+            </a:r>
+          </a:p>
+          <a:p>
+            <a:r>
+              <a:rPr lang="en-US" dirty="0" smtClean="0"/>
+              <a:t>Personalized medicine</a:t>
+            </a:r>
+          </a:p>
+          <a:p>
+            <a:r>
+              <a:rPr lang="en-US" dirty="0" smtClean="0"/>
+              <a:t>Genetic screens for disease</a:t>
+            </a:r>
+          </a:p>
+          <a:p>
+            <a:r>
+              <a:rPr lang="en-US" dirty="0" smtClean="0"/>
+              <a:t>Etc.</a:t>
+            </a:r>
+            <a:endParaRPr lang="en-US" dirty="0"/>
           </a:p>
         </p:txBody>
       </p:sp>
     </p:spTree>
     <p:extLst>
       <p:ext uri="{BB962C8B-B14F-4D97-AF65-F5344CB8AC3E}">
-        <p14:creationId xmlns:p14="http://schemas.microsoft.com/office/powerpoint/2010/main" val="571377023"/>
+        <p14:creationId xmlns:p14="http://schemas.microsoft.com/office/powerpoint/2010/main" val="860062451"/>
       </p:ext>
     </p:extLst>
   </p:cSld>
@@ -16594,107 +16458,9 @@
   <p:timing>
     <p:tnLst>
       <p:par>
-        <p:cTn xmlns:p14="http://schemas.microsoft.com/office/powerpoint/2010/main" id="1" dur="indefinite" restart="never" nodeType="tmRoot">
-          <p:childTnLst>
-            <p:seq concurrent="1" nextAc="seek">
-              <p:cTn id="2" dur="indefinite" nodeType="mainSeq">
-                <p:childTnLst>
-                  <p:par>
-                    <p:cTn id="3" fill="hold">
-                      <p:stCondLst>
-                        <p:cond delay="indefinite"/>
-                      </p:stCondLst>
-                      <p:childTnLst>
-                        <p:par>
-                          <p:cTn id="4" fill="hold">
-                            <p:stCondLst>
-                              <p:cond delay="0"/>
-                            </p:stCondLst>
-                            <p:childTnLst>
-                              <p:par>
-                                <p:cTn id="5" presetID="1" presetClass="entr" presetSubtype="0" fill="hold" nodeType="clickEffect">
-                                  <p:stCondLst>
-                                    <p:cond delay="0"/>
-                                  </p:stCondLst>
-                                  <p:childTnLst>
-                                    <p:set>
-                                      <p:cBhvr>
-                                        <p:cTn id="6" dur="1" fill="hold">
-                                          <p:stCondLst>
-                                            <p:cond delay="0"/>
-                                          </p:stCondLst>
-                                        </p:cTn>
-                                        <p:tgtEl>
-                                          <p:spTgt spid="7"/>
-                                        </p:tgtEl>
-                                        <p:attrNameLst>
-                                          <p:attrName>style.visibility</p:attrName>
-                                        </p:attrNameLst>
-                                      </p:cBhvr>
-                                      <p:to>
-                                        <p:strVal val="visible"/>
-                                      </p:to>
-                                    </p:set>
-                                  </p:childTnLst>
-                                </p:cTn>
-                              </p:par>
-                              <p:par>
-                                <p:cTn id="7" presetID="1" presetClass="entr" presetSubtype="0" fill="hold" grpId="0" nodeType="withEffect">
-                                  <p:stCondLst>
-                                    <p:cond delay="0"/>
-                                  </p:stCondLst>
-                                  <p:childTnLst>
-                                    <p:set>
-                                      <p:cBhvr>
-                                        <p:cTn id="8" dur="1" fill="hold">
-                                          <p:stCondLst>
-                                            <p:cond delay="0"/>
-                                          </p:stCondLst>
-                                        </p:cTn>
-                                        <p:tgtEl>
-                                          <p:spTgt spid="8"/>
-                                        </p:tgtEl>
-                                        <p:attrNameLst>
-                                          <p:attrName>style.visibility</p:attrName>
-                                        </p:attrNameLst>
-                                      </p:cBhvr>
-                                      <p:to>
-                                        <p:strVal val="visible"/>
-                                      </p:to>
-                                    </p:set>
-                                  </p:childTnLst>
-                                </p:cTn>
-                              </p:par>
-                            </p:childTnLst>
-                          </p:cTn>
-                        </p:par>
-                      </p:childTnLst>
-                    </p:cTn>
-                  </p:par>
-                </p:childTnLst>
-              </p:cTn>
-              <p:prevCondLst>
-                <p:cond evt="onPrev" delay="0">
-                  <p:tgtEl>
-                    <p:sldTgt/>
-                  </p:tgtEl>
-                </p:cond>
-              </p:prevCondLst>
-              <p:nextCondLst>
-                <p:cond evt="onNext" delay="0">
-                  <p:tgtEl>
-                    <p:sldTgt/>
-                  </p:tgtEl>
-                </p:cond>
-              </p:nextCondLst>
-            </p:seq>
-          </p:childTnLst>
-        </p:cTn>
+        <p:cTn xmlns:p14="http://schemas.microsoft.com/office/powerpoint/2010/main" id="1" dur="indefinite" restart="never" nodeType="tmRoot"/>
       </p:par>
     </p:tnLst>
-    <p:bldLst>
-      <p:bldP spid="8" grpId="0"/>
-    </p:bldLst>
   </p:timing>
 </p:sld>
 </file>
@@ -18023,8 +17789,13 @@
           <a:p>
             <a:r>
               <a:rPr lang="en-US" dirty="0"/>
-              <a:t>6 Reading Frames: Reading Frame 5</a:t>
-            </a:r>
+              <a:t>6 Reading Frames: Reading Frame </a:t>
+            </a:r>
+            <a:r>
+              <a:rPr lang="en-US" dirty="0" smtClean="0"/>
+              <a:t>6</a:t>
+            </a:r>
+            <a:endParaRPr lang="en-US" dirty="0"/>
           </a:p>
         </p:txBody>
       </p:sp>
@@ -19624,28 +19395,13 @@
           <a:p>
             <a:r>
               <a:rPr lang="en-US" dirty="0" smtClean="0"/>
-              <a:t>Suspicious is defined as being improbable to find in non-coding DNA</a:t>
-            </a:r>
-          </a:p>
-          <a:p>
-            <a:endParaRPr lang="en-US" dirty="0"/>
-          </a:p>
-          <a:p>
-            <a:pPr marL="0" indent="0">
-              <a:buNone/>
-            </a:pPr>
-            <a:r>
-              <a:rPr lang="en-US" b="1" dirty="0" smtClean="0">
-                <a:solidFill>
-                  <a:srgbClr val="FF0000"/>
-                </a:solidFill>
-              </a:rPr>
-              <a:t>Q: </a:t>
+              <a:t>Suspicious is defined as being improbable to find in non-coding </a:t>
             </a:r>
             <a:r>
               <a:rPr lang="en-US" dirty="0" smtClean="0"/>
-              <a:t>How can we possibly compute the probability of finding an ORF of a particular length in non-coding DNA?</a:t>
-            </a:r>
+              <a:t>DNA</a:t>
+            </a:r>
+            <a:endParaRPr lang="en-US" dirty="0" smtClean="0"/>
           </a:p>
         </p:txBody>
       </p:sp>
@@ -19716,55 +19472,6 @@
                       </p:childTnLst>
                     </p:cTn>
                   </p:par>
-                  <p:par>
-                    <p:cTn id="7" fill="hold">
-                      <p:stCondLst>
-                        <p:cond delay="indefinite"/>
-                      </p:stCondLst>
-                      <p:childTnLst>
-                        <p:par>
-                          <p:cTn id="8" fill="hold">
-                            <p:stCondLst>
-                              <p:cond delay="0"/>
-                            </p:stCondLst>
-                            <p:childTnLst>
-                              <p:par>
-                                <p:cTn id="9" presetID="1" presetClass="entr" presetSubtype="0" fill="hold" nodeType="clickEffect">
-                                  <p:stCondLst>
-                                    <p:cond delay="0"/>
-                                  </p:stCondLst>
-                                  <p:childTnLst>
-                                    <p:set>
-                                      <p:cBhvr>
-                                        <p:cTn id="10" dur="1" fill="hold">
-                                          <p:stCondLst>
-                                            <p:cond delay="0"/>
-                                          </p:stCondLst>
-                                        </p:cTn>
-                                        <p:tgtEl>
-                                          <p:spTgt spid="3">
-                                            <p:txEl>
-                                              <p:pRg st="3" end="3"/>
-                                            </p:txEl>
-                                          </p:spTgt>
-                                        </p:tgtEl>
-                                        <p:attrNameLst>
-                                          <p:attrName>style.visibility</p:attrName>
-                                        </p:attrNameLst>
-                                      </p:cBhvr>
-                                      <p:to>
-                                        <p:strVal val="visible"/>
-                                      </p:to>
-                                    </p:set>
-                                  </p:childTnLst>
-                                </p:cTn>
-                              </p:par>
-                            </p:childTnLst>
-                          </p:cTn>
-                        </p:par>
-                      </p:childTnLst>
-                    </p:cTn>
-                  </p:par>
                 </p:childTnLst>
               </p:cTn>
               <p:prevCondLst>
@@ -19909,7 +19616,7 @@
           <a:p>
             <a:r>
               <a:rPr lang="en-US" dirty="0" smtClean="0"/>
-              <a:t>DNA and the Central Dogma</a:t>
+              <a:t>Bio Crash Course: DNA</a:t>
             </a:r>
             <a:endParaRPr lang="en-US" dirty="0"/>
           </a:p>
@@ -19917,22 +19624,22 @@
       </p:sp>
       <p:pic>
         <p:nvPicPr>
-          <p:cNvPr id="4" name="Picture 3"/>
+          <p:cNvPr id="5" name="Picture 4"/>
           <p:cNvPicPr>
             <a:picLocks noChangeAspect="1"/>
           </p:cNvPicPr>
           <p:nvPr/>
         </p:nvPicPr>
         <p:blipFill>
-          <a:blip r:embed="rId2"/>
+          <a:blip r:embed="rId3"/>
           <a:stretch>
             <a:fillRect/>
           </a:stretch>
         </p:blipFill>
         <p:spPr>
           <a:xfrm>
-            <a:off x="2853947" y="1233255"/>
-            <a:ext cx="3716026" cy="3716026"/>
+            <a:off x="912506" y="1417638"/>
+            <a:ext cx="3439269" cy="3493516"/>
           </a:xfrm>
           <a:prstGeom prst="rect">
             <a:avLst/>
@@ -19941,14 +19648,14 @@
       </p:pic>
       <p:sp>
         <p:nvSpPr>
-          <p:cNvPr id="3" name="TextBox 2"/>
+          <p:cNvPr id="6" name="TextBox 5"/>
           <p:cNvSpPr txBox="1"/>
           <p:nvPr/>
         </p:nvSpPr>
         <p:spPr>
           <a:xfrm>
-            <a:off x="307275" y="5133664"/>
-            <a:ext cx="8644678" cy="1200328"/>
+            <a:off x="306504" y="4954201"/>
+            <a:ext cx="4644925" cy="1569660"/>
           </a:xfrm>
           <a:prstGeom prst="rect">
             <a:avLst/>
@@ -19963,18 +19670,61 @@
           <a:p>
             <a:r>
               <a:rPr lang="en-US" sz="2400" dirty="0" smtClean="0"/>
-              <a:t>The blueprints for making all the proteins necessary for life are contained within DNA.</a:t>
-            </a:r>
-            <a:br>
+              <a:t>Photo 51: X-ray diffraction created by Raymond Gosling under the supervision of Rosalind Franklin May, 1952</a:t>
+            </a:r>
+            <a:endParaRPr lang="en-US" sz="2400" dirty="0"/>
+          </a:p>
+        </p:txBody>
+      </p:sp>
+      <p:pic>
+        <p:nvPicPr>
+          <p:cNvPr id="7" name="Picture 6"/>
+          <p:cNvPicPr>
+            <a:picLocks noChangeAspect="1"/>
+          </p:cNvPicPr>
+          <p:nvPr/>
+        </p:nvPicPr>
+        <p:blipFill>
+          <a:blip r:embed="rId4"/>
+          <a:stretch>
+            <a:fillRect/>
+          </a:stretch>
+        </p:blipFill>
+        <p:spPr>
+          <a:xfrm>
+            <a:off x="5193284" y="1417638"/>
+            <a:ext cx="3493516" cy="3493516"/>
+          </a:xfrm>
+          <a:prstGeom prst="rect">
+            <a:avLst/>
+          </a:prstGeom>
+        </p:spPr>
+      </p:pic>
+      <p:sp>
+        <p:nvSpPr>
+          <p:cNvPr id="8" name="TextBox 7"/>
+          <p:cNvSpPr txBox="1"/>
+          <p:nvPr/>
+        </p:nvSpPr>
+        <p:spPr>
+          <a:xfrm>
+            <a:off x="5214812" y="5036552"/>
+            <a:ext cx="3439269" cy="830997"/>
+          </a:xfrm>
+          <a:prstGeom prst="rect">
+            <a:avLst/>
+          </a:prstGeom>
+          <a:noFill/>
+        </p:spPr>
+        <p:txBody>
+          <a:bodyPr wrap="square" rtlCol="0">
+            <a:spAutoFit/>
+          </a:bodyPr>
+          <a:lstStyle/>
+          <a:p>
+            <a:r>
               <a:rPr lang="en-US" sz="2400" dirty="0" smtClean="0"/>
-            </a:br>
-            <a:r>
-              <a:rPr lang="en-US" sz="2400" b="1" dirty="0" smtClean="0"/>
-              <a:t>Or, more succinctly: </a:t>
-            </a:r>
-            <a:r>
-              <a:rPr lang="en-US" sz="2400" dirty="0" smtClean="0"/>
-              <a:t>DNA Makes RNA, RNA makes Protein</a:t>
+              <a:t>Double Helix Structure: Watson and Crick</a:t>
             </a:r>
             <a:endParaRPr lang="en-US" sz="2400" dirty="0"/>
           </a:p>
@@ -19983,7 +19733,7 @@
     </p:spTree>
     <p:extLst>
       <p:ext uri="{BB962C8B-B14F-4D97-AF65-F5344CB8AC3E}">
-        <p14:creationId xmlns:p14="http://schemas.microsoft.com/office/powerpoint/2010/main" val="644202121"/>
+        <p14:creationId xmlns:p14="http://schemas.microsoft.com/office/powerpoint/2010/main" val="571377023"/>
       </p:ext>
     </p:extLst>
   </p:cSld>
@@ -19993,9 +19743,107 @@
   <p:timing>
     <p:tnLst>
       <p:par>
-        <p:cTn xmlns:p14="http://schemas.microsoft.com/office/powerpoint/2010/main" id="1" dur="indefinite" restart="never" nodeType="tmRoot"/>
+        <p:cTn xmlns:p14="http://schemas.microsoft.com/office/powerpoint/2010/main" id="1" dur="indefinite" restart="never" nodeType="tmRoot">
+          <p:childTnLst>
+            <p:seq concurrent="1" nextAc="seek">
+              <p:cTn id="2" dur="indefinite" nodeType="mainSeq">
+                <p:childTnLst>
+                  <p:par>
+                    <p:cTn id="3" fill="hold">
+                      <p:stCondLst>
+                        <p:cond delay="indefinite"/>
+                      </p:stCondLst>
+                      <p:childTnLst>
+                        <p:par>
+                          <p:cTn id="4" fill="hold">
+                            <p:stCondLst>
+                              <p:cond delay="0"/>
+                            </p:stCondLst>
+                            <p:childTnLst>
+                              <p:par>
+                                <p:cTn id="5" presetID="1" presetClass="entr" presetSubtype="0" fill="hold" nodeType="clickEffect">
+                                  <p:stCondLst>
+                                    <p:cond delay="0"/>
+                                  </p:stCondLst>
+                                  <p:childTnLst>
+                                    <p:set>
+                                      <p:cBhvr>
+                                        <p:cTn id="6" dur="1" fill="hold">
+                                          <p:stCondLst>
+                                            <p:cond delay="0"/>
+                                          </p:stCondLst>
+                                        </p:cTn>
+                                        <p:tgtEl>
+                                          <p:spTgt spid="7"/>
+                                        </p:tgtEl>
+                                        <p:attrNameLst>
+                                          <p:attrName>style.visibility</p:attrName>
+                                        </p:attrNameLst>
+                                      </p:cBhvr>
+                                      <p:to>
+                                        <p:strVal val="visible"/>
+                                      </p:to>
+                                    </p:set>
+                                  </p:childTnLst>
+                                </p:cTn>
+                              </p:par>
+                              <p:par>
+                                <p:cTn id="7" presetID="1" presetClass="entr" presetSubtype="0" fill="hold" grpId="0" nodeType="withEffect">
+                                  <p:stCondLst>
+                                    <p:cond delay="0"/>
+                                  </p:stCondLst>
+                                  <p:childTnLst>
+                                    <p:set>
+                                      <p:cBhvr>
+                                        <p:cTn id="8" dur="1" fill="hold">
+                                          <p:stCondLst>
+                                            <p:cond delay="0"/>
+                                          </p:stCondLst>
+                                        </p:cTn>
+                                        <p:tgtEl>
+                                          <p:spTgt spid="8"/>
+                                        </p:tgtEl>
+                                        <p:attrNameLst>
+                                          <p:attrName>style.visibility</p:attrName>
+                                        </p:attrNameLst>
+                                      </p:cBhvr>
+                                      <p:to>
+                                        <p:strVal val="visible"/>
+                                      </p:to>
+                                    </p:set>
+                                  </p:childTnLst>
+                                </p:cTn>
+                              </p:par>
+                            </p:childTnLst>
+                          </p:cTn>
+                        </p:par>
+                      </p:childTnLst>
+                    </p:cTn>
+                  </p:par>
+                </p:childTnLst>
+              </p:cTn>
+              <p:prevCondLst>
+                <p:cond evt="onPrev" delay="0">
+                  <p:tgtEl>
+                    <p:sldTgt/>
+                  </p:tgtEl>
+                </p:cond>
+              </p:prevCondLst>
+              <p:nextCondLst>
+                <p:cond evt="onNext" delay="0">
+                  <p:tgtEl>
+                    <p:sldTgt/>
+                  </p:tgtEl>
+                </p:cond>
+              </p:nextCondLst>
+            </p:seq>
+          </p:childTnLst>
+        </p:cTn>
       </p:par>
     </p:tnLst>
+    <p:bldLst>
+      <p:bldP spid="8" grpId="0"/>
+    </p:bldLst>
   </p:timing>
 </p:sld>
 </file>
@@ -20029,14 +19877,12 @@
         </p:nvSpPr>
         <p:spPr/>
         <p:txBody>
-          <a:bodyPr>
-            <a:normAutofit/>
-          </a:bodyPr>
+          <a:bodyPr/>
           <a:lstStyle/>
           <a:p>
             <a:r>
               <a:rPr lang="en-US" dirty="0" smtClean="0"/>
-              <a:t>Proteins</a:t>
+              <a:t>DNA and the Central Dogma</a:t>
             </a:r>
             <a:endParaRPr lang="en-US" dirty="0"/>
           </a:p>
@@ -20051,15 +19897,15 @@
           <p:nvPr/>
         </p:nvPicPr>
         <p:blipFill>
-          <a:blip r:embed="rId3"/>
+          <a:blip r:embed="rId2"/>
           <a:stretch>
             <a:fillRect/>
           </a:stretch>
         </p:blipFill>
         <p:spPr>
           <a:xfrm>
-            <a:off x="457200" y="1550143"/>
-            <a:ext cx="4008535" cy="4056955"/>
+            <a:off x="2853947" y="1233255"/>
+            <a:ext cx="3716026" cy="3716026"/>
           </a:xfrm>
           <a:prstGeom prst="rect">
             <a:avLst/>
@@ -20068,14 +19914,14 @@
       </p:pic>
       <p:sp>
         <p:nvSpPr>
-          <p:cNvPr id="5" name="TextBox 4"/>
+          <p:cNvPr id="3" name="TextBox 2"/>
           <p:cNvSpPr txBox="1"/>
           <p:nvPr/>
         </p:nvSpPr>
         <p:spPr>
           <a:xfrm>
-            <a:off x="4497225" y="1417638"/>
-            <a:ext cx="3994945" cy="1077218"/>
+            <a:off x="307275" y="5133664"/>
+            <a:ext cx="8644678" cy="1200328"/>
           </a:xfrm>
           <a:prstGeom prst="rect">
             <a:avLst/>
@@ -20089,16 +19935,28 @@
           <a:lstStyle/>
           <a:p>
             <a:r>
-              <a:rPr lang="en-US" sz="3200" dirty="0" smtClean="0"/>
-              <a:t>Proteins are chains of Amino Acids</a:t>
-            </a:r>
+              <a:rPr lang="en-US" sz="2400" dirty="0" smtClean="0"/>
+              <a:t>The blueprints for making all the proteins necessary for life are contained within DNA.</a:t>
+            </a:r>
+            <a:br>
+              <a:rPr lang="en-US" sz="2400" dirty="0" smtClean="0"/>
+            </a:br>
+            <a:r>
+              <a:rPr lang="en-US" sz="2400" b="1" dirty="0" smtClean="0"/>
+              <a:t>Or, more succinctly: </a:t>
+            </a:r>
+            <a:r>
+              <a:rPr lang="en-US" sz="2400" dirty="0" smtClean="0"/>
+              <a:t>DNA Makes RNA, RNA makes Protein</a:t>
+            </a:r>
+            <a:endParaRPr lang="en-US" sz="2400" dirty="0"/>
           </a:p>
         </p:txBody>
       </p:sp>
     </p:spTree>
     <p:extLst>
       <p:ext uri="{BB962C8B-B14F-4D97-AF65-F5344CB8AC3E}">
-        <p14:creationId xmlns:p14="http://schemas.microsoft.com/office/powerpoint/2010/main" val="4232838140"/>
+        <p14:creationId xmlns:p14="http://schemas.microsoft.com/office/powerpoint/2010/main" val="644202121"/>
       </p:ext>
     </p:extLst>
   </p:cSld>
@@ -20145,13 +20003,13 @@
         <p:spPr/>
         <p:txBody>
           <a:bodyPr>
-            <a:normAutofit fontScale="90000"/>
+            <a:normAutofit/>
           </a:bodyPr>
           <a:lstStyle/>
           <a:p>
             <a:r>
               <a:rPr lang="en-US" dirty="0" smtClean="0"/>
-              <a:t>Aside: Protein Secondary Structure Prediction</a:t>
+              <a:t>Proteins</a:t>
             </a:r>
             <a:endParaRPr lang="en-US" dirty="0"/>
           </a:p>
@@ -20173,7 +20031,122 @@
         </p:blipFill>
         <p:spPr>
           <a:xfrm>
-            <a:off x="2585849" y="3439498"/>
+            <a:off x="457200" y="1550143"/>
+            <a:ext cx="4008535" cy="4056955"/>
+          </a:xfrm>
+          <a:prstGeom prst="rect">
+            <a:avLst/>
+          </a:prstGeom>
+        </p:spPr>
+      </p:pic>
+      <p:sp>
+        <p:nvSpPr>
+          <p:cNvPr id="5" name="TextBox 4"/>
+          <p:cNvSpPr txBox="1"/>
+          <p:nvPr/>
+        </p:nvSpPr>
+        <p:spPr>
+          <a:xfrm>
+            <a:off x="4497225" y="1417638"/>
+            <a:ext cx="3994945" cy="1077218"/>
+          </a:xfrm>
+          <a:prstGeom prst="rect">
+            <a:avLst/>
+          </a:prstGeom>
+          <a:noFill/>
+        </p:spPr>
+        <p:txBody>
+          <a:bodyPr wrap="square" rtlCol="0">
+            <a:spAutoFit/>
+          </a:bodyPr>
+          <a:lstStyle/>
+          <a:p>
+            <a:r>
+              <a:rPr lang="en-US" sz="3200" dirty="0" smtClean="0"/>
+              <a:t>Proteins are chains of Amino Acids</a:t>
+            </a:r>
+          </a:p>
+        </p:txBody>
+      </p:sp>
+    </p:spTree>
+    <p:extLst>
+      <p:ext uri="{BB962C8B-B14F-4D97-AF65-F5344CB8AC3E}">
+        <p14:creationId xmlns:p14="http://schemas.microsoft.com/office/powerpoint/2010/main" val="4232838140"/>
+      </p:ext>
+    </p:extLst>
+  </p:cSld>
+  <p:clrMapOvr>
+    <a:masterClrMapping/>
+  </p:clrMapOvr>
+  <p:timing>
+    <p:tnLst>
+      <p:par>
+        <p:cTn xmlns:p14="http://schemas.microsoft.com/office/powerpoint/2010/main" id="1" dur="indefinite" restart="never" nodeType="tmRoot"/>
+      </p:par>
+    </p:tnLst>
+  </p:timing>
+</p:sld>
+</file>
+
+<file path=ppt/slides/slide6.xml><?xml version="1.0" encoding="utf-8"?>
+<p:sld xmlns:a="http://schemas.openxmlformats.org/drawingml/2006/main" xmlns:r="http://schemas.openxmlformats.org/officeDocument/2006/relationships" xmlns:p="http://schemas.openxmlformats.org/presentationml/2006/main">
+  <p:cSld>
+    <p:spTree>
+      <p:nvGrpSpPr>
+        <p:cNvPr id="1" name=""/>
+        <p:cNvGrpSpPr/>
+        <p:nvPr/>
+      </p:nvGrpSpPr>
+      <p:grpSpPr>
+        <a:xfrm>
+          <a:off x="0" y="0"/>
+          <a:ext cx="0" cy="0"/>
+          <a:chOff x="0" y="0"/>
+          <a:chExt cx="0" cy="0"/>
+        </a:xfrm>
+      </p:grpSpPr>
+      <p:sp>
+        <p:nvSpPr>
+          <p:cNvPr id="2" name="Title 1"/>
+          <p:cNvSpPr>
+            <a:spLocks noGrp="1"/>
+          </p:cNvSpPr>
+          <p:nvPr>
+            <p:ph type="title"/>
+          </p:nvPr>
+        </p:nvSpPr>
+        <p:spPr/>
+        <p:txBody>
+          <a:bodyPr>
+            <a:normAutofit fontScale="90000"/>
+          </a:bodyPr>
+          <a:lstStyle/>
+          <a:p>
+            <a:r>
+              <a:rPr lang="en-US" dirty="0" smtClean="0"/>
+              <a:t>Aside: Protein Secondary Structure Prediction</a:t>
+            </a:r>
+            <a:endParaRPr lang="en-US" dirty="0"/>
+          </a:p>
+        </p:txBody>
+      </p:sp>
+      <p:pic>
+        <p:nvPicPr>
+          <p:cNvPr id="4" name="Picture 3"/>
+          <p:cNvPicPr>
+            <a:picLocks noChangeAspect="1"/>
+          </p:cNvPicPr>
+          <p:nvPr/>
+        </p:nvPicPr>
+        <p:blipFill>
+          <a:blip r:embed="rId3"/>
+          <a:stretch>
+            <a:fillRect/>
+          </a:stretch>
+        </p:blipFill>
+        <p:spPr>
+          <a:xfrm>
+            <a:off x="1404749" y="3439498"/>
             <a:ext cx="3395851" cy="2730187"/>
           </a:xfrm>
           <a:prstGeom prst="rect">
@@ -20320,6 +20293,47 @@
           </a:p>
           <a:p>
             <a:endParaRPr lang="en-US" sz="2400" dirty="0" smtClean="0"/>
+          </a:p>
+        </p:txBody>
+      </p:sp>
+      <p:sp>
+        <p:nvSpPr>
+          <p:cNvPr id="3" name="TextBox 2"/>
+          <p:cNvSpPr txBox="1"/>
+          <p:nvPr/>
+        </p:nvSpPr>
+        <p:spPr>
+          <a:xfrm>
+            <a:off x="5283200" y="4297065"/>
+            <a:ext cx="3124200" cy="923330"/>
+          </a:xfrm>
+          <a:prstGeom prst="rect">
+            <a:avLst/>
+          </a:prstGeom>
+          <a:noFill/>
+        </p:spPr>
+        <p:txBody>
+          <a:bodyPr wrap="square" rtlCol="0">
+            <a:spAutoFit/>
+          </a:bodyPr>
+          <a:lstStyle/>
+          <a:p>
+            <a:r>
+              <a:rPr lang="en-US" dirty="0">
+                <a:hlinkClick r:id="rId4"/>
+              </a:rPr>
+              <a:t>https://www.youtube.com/watch?v=</a:t>
+            </a:r>
+            <a:r>
+              <a:rPr lang="en-US" dirty="0" smtClean="0">
+                <a:hlinkClick r:id="rId4"/>
+              </a:rPr>
+              <a:t>lGYJyur4FUA</a:t>
+            </a:r>
+            <a:endParaRPr lang="en-US" dirty="0" smtClean="0"/>
+          </a:p>
+          <a:p>
+            <a:endParaRPr lang="en-US" dirty="0"/>
           </a:p>
         </p:txBody>
       </p:sp>
@@ -20554,6 +20568,33 @@
                                   </p:childTnLst>
                                 </p:cTn>
                               </p:par>
+                              <p:par>
+                                <p:cTn id="21" presetID="1" presetClass="entr" presetSubtype="0" fill="hold" grpId="0" nodeType="withEffect">
+                                  <p:stCondLst>
+                                    <p:cond delay="0"/>
+                                  </p:stCondLst>
+                                  <p:childTnLst>
+                                    <p:set>
+                                      <p:cBhvr>
+                                        <p:cTn id="22" dur="1" fill="hold">
+                                          <p:stCondLst>
+                                            <p:cond delay="0"/>
+                                          </p:stCondLst>
+                                        </p:cTn>
+                                        <p:tgtEl>
+                                          <p:spTgt spid="3"/>
+                                        </p:tgtEl>
+                                        <p:attrNameLst>
+                                          <p:attrName>style.visibility</p:attrName>
+                                        </p:attrNameLst>
+                                      </p:cBhvr>
+                                      <p:to>
+                                        <p:strVal val="visible"/>
+                                      </p:to>
+                                    </p:set>
+                                  </p:childTnLst>
+                                </p:cTn>
+                              </p:par>
                             </p:childTnLst>
                           </p:cTn>
                         </p:par>
@@ -20583,137 +20624,8 @@
     </p:tnLst>
     <p:bldLst>
       <p:bldP spid="5" grpId="0"/>
+      <p:bldP spid="3" grpId="0"/>
     </p:bldLst>
-  </p:timing>
-</p:sld>
-</file>
-
-<file path=ppt/slides/slide6.xml><?xml version="1.0" encoding="utf-8"?>
-<p:sld xmlns:a="http://schemas.openxmlformats.org/drawingml/2006/main" xmlns:r="http://schemas.openxmlformats.org/officeDocument/2006/relationships" xmlns:p="http://schemas.openxmlformats.org/presentationml/2006/main">
-  <p:cSld>
-    <p:spTree>
-      <p:nvGrpSpPr>
-        <p:cNvPr id="1" name=""/>
-        <p:cNvGrpSpPr/>
-        <p:nvPr/>
-      </p:nvGrpSpPr>
-      <p:grpSpPr>
-        <a:xfrm>
-          <a:off x="0" y="0"/>
-          <a:ext cx="0" cy="0"/>
-          <a:chOff x="0" y="0"/>
-          <a:chExt cx="0" cy="0"/>
-        </a:xfrm>
-      </p:grpSpPr>
-      <p:sp>
-        <p:nvSpPr>
-          <p:cNvPr id="2" name="Title 1"/>
-          <p:cNvSpPr>
-            <a:spLocks noGrp="1"/>
-          </p:cNvSpPr>
-          <p:nvPr>
-            <p:ph type="title"/>
-          </p:nvPr>
-        </p:nvSpPr>
-        <p:spPr/>
-        <p:txBody>
-          <a:bodyPr/>
-          <a:lstStyle/>
-          <a:p>
-            <a:r>
-              <a:rPr lang="en-US" dirty="0" err="1" smtClean="0"/>
-              <a:t>Proteinogenic</a:t>
-            </a:r>
-            <a:r>
-              <a:rPr lang="en-US" dirty="0" smtClean="0"/>
-              <a:t> Amino Acids</a:t>
-            </a:r>
-            <a:endParaRPr lang="en-US" dirty="0"/>
-          </a:p>
-        </p:txBody>
-      </p:sp>
-      <p:pic>
-        <p:nvPicPr>
-          <p:cNvPr id="5" name="Picture 4"/>
-          <p:cNvPicPr>
-            <a:picLocks noChangeAspect="1"/>
-          </p:cNvPicPr>
-          <p:nvPr/>
-        </p:nvPicPr>
-        <p:blipFill>
-          <a:blip r:embed="rId2"/>
-          <a:stretch>
-            <a:fillRect/>
-          </a:stretch>
-        </p:blipFill>
-        <p:spPr>
-          <a:xfrm>
-            <a:off x="0" y="1417638"/>
-            <a:ext cx="9144000" cy="4416136"/>
-          </a:xfrm>
-          <a:prstGeom prst="rect">
-            <a:avLst/>
-          </a:prstGeom>
-        </p:spPr>
-      </p:pic>
-      <p:sp>
-        <p:nvSpPr>
-          <p:cNvPr id="6" name="TextBox 5"/>
-          <p:cNvSpPr txBox="1"/>
-          <p:nvPr/>
-        </p:nvSpPr>
-        <p:spPr>
-          <a:xfrm>
-            <a:off x="266305" y="6105105"/>
-            <a:ext cx="5735805" cy="461665"/>
-          </a:xfrm>
-          <a:prstGeom prst="rect">
-            <a:avLst/>
-          </a:prstGeom>
-          <a:noFill/>
-        </p:spPr>
-        <p:txBody>
-          <a:bodyPr wrap="square" rtlCol="0">
-            <a:spAutoFit/>
-          </a:bodyPr>
-          <a:lstStyle/>
-          <a:p>
-            <a:r>
-              <a:rPr lang="en-US" sz="2400" dirty="0" smtClean="0"/>
-              <a:t>http://</a:t>
-            </a:r>
-            <a:r>
-              <a:rPr lang="en-US" sz="2400" dirty="0" err="1" smtClean="0"/>
-              <a:t>en.wikipedia.org</a:t>
-            </a:r>
-            <a:r>
-              <a:rPr lang="en-US" sz="2400" dirty="0" smtClean="0"/>
-              <a:t>/wiki/</a:t>
-            </a:r>
-            <a:r>
-              <a:rPr lang="en-US" sz="2400" dirty="0" err="1" smtClean="0"/>
-              <a:t>Amino_acid</a:t>
-            </a:r>
-            <a:endParaRPr lang="en-US" sz="2400" dirty="0"/>
-          </a:p>
-        </p:txBody>
-      </p:sp>
-    </p:spTree>
-    <p:extLst>
-      <p:ext uri="{BB962C8B-B14F-4D97-AF65-F5344CB8AC3E}">
-        <p14:creationId xmlns:p14="http://schemas.microsoft.com/office/powerpoint/2010/main" val="1766788431"/>
-      </p:ext>
-    </p:extLst>
-  </p:cSld>
-  <p:clrMapOvr>
-    <a:masterClrMapping/>
-  </p:clrMapOvr>
-  <p:timing>
-    <p:tnLst>
-      <p:par>
-        <p:cTn xmlns:p14="http://schemas.microsoft.com/office/powerpoint/2010/main" id="1" dur="indefinite" restart="never" nodeType="tmRoot"/>
-      </p:par>
-    </p:tnLst>
   </p:timing>
 </p:sld>
 </file>
@@ -20751,6 +20663,136 @@
           <a:lstStyle/>
           <a:p>
             <a:r>
+              <a:rPr lang="en-US" dirty="0" err="1" smtClean="0"/>
+              <a:t>Proteinogenic</a:t>
+            </a:r>
+            <a:r>
+              <a:rPr lang="en-US" dirty="0" smtClean="0"/>
+              <a:t> Amino Acids</a:t>
+            </a:r>
+            <a:endParaRPr lang="en-US" dirty="0"/>
+          </a:p>
+        </p:txBody>
+      </p:sp>
+      <p:pic>
+        <p:nvPicPr>
+          <p:cNvPr id="5" name="Picture 4"/>
+          <p:cNvPicPr>
+            <a:picLocks noChangeAspect="1"/>
+          </p:cNvPicPr>
+          <p:nvPr/>
+        </p:nvPicPr>
+        <p:blipFill>
+          <a:blip r:embed="rId2"/>
+          <a:stretch>
+            <a:fillRect/>
+          </a:stretch>
+        </p:blipFill>
+        <p:spPr>
+          <a:xfrm>
+            <a:off x="0" y="1417638"/>
+            <a:ext cx="9144000" cy="4416136"/>
+          </a:xfrm>
+          <a:prstGeom prst="rect">
+            <a:avLst/>
+          </a:prstGeom>
+        </p:spPr>
+      </p:pic>
+      <p:sp>
+        <p:nvSpPr>
+          <p:cNvPr id="6" name="TextBox 5"/>
+          <p:cNvSpPr txBox="1"/>
+          <p:nvPr/>
+        </p:nvSpPr>
+        <p:spPr>
+          <a:xfrm>
+            <a:off x="266305" y="6105105"/>
+            <a:ext cx="5735805" cy="461665"/>
+          </a:xfrm>
+          <a:prstGeom prst="rect">
+            <a:avLst/>
+          </a:prstGeom>
+          <a:noFill/>
+        </p:spPr>
+        <p:txBody>
+          <a:bodyPr wrap="square" rtlCol="0">
+            <a:spAutoFit/>
+          </a:bodyPr>
+          <a:lstStyle/>
+          <a:p>
+            <a:r>
+              <a:rPr lang="en-US" sz="2400" dirty="0" smtClean="0"/>
+              <a:t>http://</a:t>
+            </a:r>
+            <a:r>
+              <a:rPr lang="en-US" sz="2400" dirty="0" err="1" smtClean="0"/>
+              <a:t>en.wikipedia.org</a:t>
+            </a:r>
+            <a:r>
+              <a:rPr lang="en-US" sz="2400" dirty="0" smtClean="0"/>
+              <a:t>/wiki/</a:t>
+            </a:r>
+            <a:r>
+              <a:rPr lang="en-US" sz="2400" dirty="0" err="1" smtClean="0"/>
+              <a:t>Amino_acid</a:t>
+            </a:r>
+            <a:endParaRPr lang="en-US" sz="2400" dirty="0"/>
+          </a:p>
+        </p:txBody>
+      </p:sp>
+    </p:spTree>
+    <p:extLst>
+      <p:ext uri="{BB962C8B-B14F-4D97-AF65-F5344CB8AC3E}">
+        <p14:creationId xmlns:p14="http://schemas.microsoft.com/office/powerpoint/2010/main" val="1766788431"/>
+      </p:ext>
+    </p:extLst>
+  </p:cSld>
+  <p:clrMapOvr>
+    <a:masterClrMapping/>
+  </p:clrMapOvr>
+  <p:timing>
+    <p:tnLst>
+      <p:par>
+        <p:cTn xmlns:p14="http://schemas.microsoft.com/office/powerpoint/2010/main" id="1" dur="indefinite" restart="never" nodeType="tmRoot"/>
+      </p:par>
+    </p:tnLst>
+  </p:timing>
+</p:sld>
+</file>
+
+<file path=ppt/slides/slide8.xml><?xml version="1.0" encoding="utf-8"?>
+<p:sld xmlns:a="http://schemas.openxmlformats.org/drawingml/2006/main" xmlns:r="http://schemas.openxmlformats.org/officeDocument/2006/relationships" xmlns:p="http://schemas.openxmlformats.org/presentationml/2006/main">
+  <p:cSld>
+    <p:spTree>
+      <p:nvGrpSpPr>
+        <p:cNvPr id="1" name=""/>
+        <p:cNvGrpSpPr/>
+        <p:nvPr/>
+      </p:nvGrpSpPr>
+      <p:grpSpPr>
+        <a:xfrm>
+          <a:off x="0" y="0"/>
+          <a:ext cx="0" cy="0"/>
+          <a:chOff x="0" y="0"/>
+          <a:chExt cx="0" cy="0"/>
+        </a:xfrm>
+      </p:grpSpPr>
+      <p:sp>
+        <p:nvSpPr>
+          <p:cNvPr id="2" name="Title 1"/>
+          <p:cNvSpPr>
+            <a:spLocks noGrp="1"/>
+          </p:cNvSpPr>
+          <p:nvPr>
+            <p:ph type="title"/>
+          </p:nvPr>
+        </p:nvSpPr>
+        <p:spPr/>
+        <p:txBody>
+          <a:bodyPr/>
+          <a:lstStyle/>
+          <a:p>
+            <a:r>
               <a:rPr lang="en-US" dirty="0" smtClean="0"/>
               <a:t>DNA and Protein Synthesis</a:t>
             </a:r>
@@ -20789,7 +20831,15 @@
             </a:r>
             <a:r>
               <a:rPr lang="en-US" dirty="0" smtClean="0"/>
-              <a:t>DNA is unzipped and paired with a complementary strand of RNA (transcription)</a:t>
+              <a:t>DNA is unzipped and paired with a complementary strand of </a:t>
+            </a:r>
+            <a:r>
+              <a:rPr lang="en-US" dirty="0" smtClean="0"/>
+              <a:t>RNA </a:t>
+            </a:r>
+            <a:r>
+              <a:rPr lang="en-US" dirty="0" smtClean="0"/>
+              <a:t>(transcription)</a:t>
             </a:r>
           </a:p>
           <a:p>
@@ -20950,883 +21000,6 @@
 </p:sld>
 </file>
 
-<file path=ppt/slides/slide8.xml><?xml version="1.0" encoding="utf-8"?>
-<p:sld xmlns:a="http://schemas.openxmlformats.org/drawingml/2006/main" xmlns:r="http://schemas.openxmlformats.org/officeDocument/2006/relationships" xmlns:p="http://schemas.openxmlformats.org/presentationml/2006/main">
-  <p:cSld>
-    <p:spTree>
-      <p:nvGrpSpPr>
-        <p:cNvPr id="1" name=""/>
-        <p:cNvGrpSpPr/>
-        <p:nvPr/>
-      </p:nvGrpSpPr>
-      <p:grpSpPr>
-        <a:xfrm>
-          <a:off x="0" y="0"/>
-          <a:ext cx="0" cy="0"/>
-          <a:chOff x="0" y="0"/>
-          <a:chExt cx="0" cy="0"/>
-        </a:xfrm>
-      </p:grpSpPr>
-      <p:sp>
-        <p:nvSpPr>
-          <p:cNvPr id="2" name="Title 1"/>
-          <p:cNvSpPr>
-            <a:spLocks noGrp="1"/>
-          </p:cNvSpPr>
-          <p:nvPr>
-            <p:ph type="title"/>
-          </p:nvPr>
-        </p:nvSpPr>
-        <p:spPr/>
-        <p:txBody>
-          <a:bodyPr/>
-          <a:lstStyle/>
-          <a:p>
-            <a:r>
-              <a:rPr lang="en-US" dirty="0" smtClean="0"/>
-              <a:t>Protein Synthesis Detailed Example</a:t>
-            </a:r>
-            <a:endParaRPr lang="en-US" dirty="0"/>
-          </a:p>
-        </p:txBody>
-      </p:sp>
-      <p:sp>
-        <p:nvSpPr>
-          <p:cNvPr id="7" name="TextBox 6"/>
-          <p:cNvSpPr txBox="1"/>
-          <p:nvPr/>
-        </p:nvSpPr>
-        <p:spPr>
-          <a:xfrm>
-            <a:off x="635035" y="2140062"/>
-            <a:ext cx="8051765" cy="584776"/>
-          </a:xfrm>
-          <a:prstGeom prst="rect">
-            <a:avLst/>
-          </a:prstGeom>
-          <a:noFill/>
-        </p:spPr>
-        <p:txBody>
-          <a:bodyPr wrap="square" rtlCol="0">
-            <a:spAutoFit/>
-          </a:bodyPr>
-          <a:lstStyle/>
-          <a:p>
-            <a:r>
-              <a:rPr lang="en-US" sz="3200" dirty="0" smtClean="0">
-                <a:latin typeface="Courier New"/>
-                <a:cs typeface="Courier New"/>
-              </a:rPr>
-              <a:t>5’ </a:t>
-            </a:r>
-            <a:r>
-              <a:rPr lang="en-US" sz="3200" dirty="0">
-                <a:latin typeface="Courier New"/>
-                <a:cs typeface="Courier New"/>
-              </a:rPr>
-              <a:t>– </a:t>
-            </a:r>
-            <a:r>
-              <a:rPr lang="en-US" sz="3200" dirty="0" smtClean="0">
-                <a:latin typeface="Courier New"/>
-                <a:cs typeface="Courier New"/>
-              </a:rPr>
-              <a:t>AGCAATGTTCCAGATGTAATT – 3’</a:t>
-            </a:r>
-          </a:p>
-        </p:txBody>
-      </p:sp>
-      <p:sp>
-        <p:nvSpPr>
-          <p:cNvPr id="8" name="TextBox 7"/>
-          <p:cNvSpPr txBox="1"/>
-          <p:nvPr/>
-        </p:nvSpPr>
-        <p:spPr>
-          <a:xfrm>
-            <a:off x="635035" y="3231974"/>
-            <a:ext cx="8051765" cy="584776"/>
-          </a:xfrm>
-          <a:prstGeom prst="rect">
-            <a:avLst/>
-          </a:prstGeom>
-          <a:noFill/>
-        </p:spPr>
-        <p:txBody>
-          <a:bodyPr wrap="square" rtlCol="0">
-            <a:spAutoFit/>
-          </a:bodyPr>
-          <a:lstStyle/>
-          <a:p>
-            <a:r>
-              <a:rPr lang="en-US" sz="3200" dirty="0" smtClean="0">
-                <a:latin typeface="Courier New"/>
-                <a:cs typeface="Courier New"/>
-              </a:rPr>
-              <a:t>3’ – TCGTTACAAGGTCTACATTAA – 5’</a:t>
-            </a:r>
-            <a:endParaRPr lang="en-US" sz="3200" dirty="0">
-              <a:latin typeface="Courier New"/>
-              <a:cs typeface="Courier New"/>
-            </a:endParaRPr>
-          </a:p>
-        </p:txBody>
-      </p:sp>
-      <p:cxnSp>
-        <p:nvCxnSpPr>
-          <p:cNvPr id="10" name="Straight Connector 9"/>
-          <p:cNvCxnSpPr/>
-          <p:nvPr/>
-        </p:nvCxnSpPr>
-        <p:spPr>
-          <a:xfrm flipV="1">
-            <a:off x="2057400" y="2819400"/>
-            <a:ext cx="0" cy="412574"/>
-          </a:xfrm>
-          <a:prstGeom prst="line">
-            <a:avLst/>
-          </a:prstGeom>
-          <a:ln>
-            <a:solidFill>
-              <a:schemeClr val="tx1"/>
-            </a:solidFill>
-          </a:ln>
-        </p:spPr>
-        <p:style>
-          <a:lnRef idx="2">
-            <a:schemeClr val="accent1"/>
-          </a:lnRef>
-          <a:fillRef idx="0">
-            <a:schemeClr val="accent1"/>
-          </a:fillRef>
-          <a:effectRef idx="1">
-            <a:schemeClr val="accent1"/>
-          </a:effectRef>
-          <a:fontRef idx="minor">
-            <a:schemeClr val="tx1"/>
-          </a:fontRef>
-        </p:style>
-      </p:cxnSp>
-      <p:cxnSp>
-        <p:nvCxnSpPr>
-          <p:cNvPr id="11" name="Straight Connector 10"/>
-          <p:cNvCxnSpPr/>
-          <p:nvPr/>
-        </p:nvCxnSpPr>
-        <p:spPr>
-          <a:xfrm flipV="1">
-            <a:off x="2298700" y="2819400"/>
-            <a:ext cx="0" cy="412574"/>
-          </a:xfrm>
-          <a:prstGeom prst="line">
-            <a:avLst/>
-          </a:prstGeom>
-          <a:ln>
-            <a:solidFill>
-              <a:schemeClr val="tx1"/>
-            </a:solidFill>
-          </a:ln>
-        </p:spPr>
-        <p:style>
-          <a:lnRef idx="2">
-            <a:schemeClr val="accent1"/>
-          </a:lnRef>
-          <a:fillRef idx="0">
-            <a:schemeClr val="accent1"/>
-          </a:fillRef>
-          <a:effectRef idx="1">
-            <a:schemeClr val="accent1"/>
-          </a:effectRef>
-          <a:fontRef idx="minor">
-            <a:schemeClr val="tx1"/>
-          </a:fontRef>
-        </p:style>
-      </p:cxnSp>
-      <p:cxnSp>
-        <p:nvCxnSpPr>
-          <p:cNvPr id="12" name="Straight Connector 11"/>
-          <p:cNvCxnSpPr/>
-          <p:nvPr/>
-        </p:nvCxnSpPr>
-        <p:spPr>
-          <a:xfrm flipV="1">
-            <a:off x="2540000" y="2832100"/>
-            <a:ext cx="0" cy="412574"/>
-          </a:xfrm>
-          <a:prstGeom prst="line">
-            <a:avLst/>
-          </a:prstGeom>
-          <a:ln>
-            <a:solidFill>
-              <a:schemeClr val="tx1"/>
-            </a:solidFill>
-          </a:ln>
-        </p:spPr>
-        <p:style>
-          <a:lnRef idx="2">
-            <a:schemeClr val="accent1"/>
-          </a:lnRef>
-          <a:fillRef idx="0">
-            <a:schemeClr val="accent1"/>
-          </a:fillRef>
-          <a:effectRef idx="1">
-            <a:schemeClr val="accent1"/>
-          </a:effectRef>
-          <a:fontRef idx="minor">
-            <a:schemeClr val="tx1"/>
-          </a:fontRef>
-        </p:style>
-      </p:cxnSp>
-      <p:cxnSp>
-        <p:nvCxnSpPr>
-          <p:cNvPr id="13" name="Straight Connector 12"/>
-          <p:cNvCxnSpPr/>
-          <p:nvPr/>
-        </p:nvCxnSpPr>
-        <p:spPr>
-          <a:xfrm flipV="1">
-            <a:off x="2768600" y="2819400"/>
-            <a:ext cx="0" cy="412574"/>
-          </a:xfrm>
-          <a:prstGeom prst="line">
-            <a:avLst/>
-          </a:prstGeom>
-          <a:ln>
-            <a:solidFill>
-              <a:schemeClr val="tx1"/>
-            </a:solidFill>
-          </a:ln>
-        </p:spPr>
-        <p:style>
-          <a:lnRef idx="2">
-            <a:schemeClr val="accent1"/>
-          </a:lnRef>
-          <a:fillRef idx="0">
-            <a:schemeClr val="accent1"/>
-          </a:fillRef>
-          <a:effectRef idx="1">
-            <a:schemeClr val="accent1"/>
-          </a:effectRef>
-          <a:fontRef idx="minor">
-            <a:schemeClr val="tx1"/>
-          </a:fontRef>
-        </p:style>
-      </p:cxnSp>
-      <p:cxnSp>
-        <p:nvCxnSpPr>
-          <p:cNvPr id="14" name="Straight Connector 13"/>
-          <p:cNvCxnSpPr/>
-          <p:nvPr/>
-        </p:nvCxnSpPr>
-        <p:spPr>
-          <a:xfrm flipV="1">
-            <a:off x="3009900" y="2819400"/>
-            <a:ext cx="0" cy="412574"/>
-          </a:xfrm>
-          <a:prstGeom prst="line">
-            <a:avLst/>
-          </a:prstGeom>
-          <a:ln>
-            <a:solidFill>
-              <a:schemeClr val="tx1"/>
-            </a:solidFill>
-          </a:ln>
-        </p:spPr>
-        <p:style>
-          <a:lnRef idx="2">
-            <a:schemeClr val="accent1"/>
-          </a:lnRef>
-          <a:fillRef idx="0">
-            <a:schemeClr val="accent1"/>
-          </a:fillRef>
-          <a:effectRef idx="1">
-            <a:schemeClr val="accent1"/>
-          </a:effectRef>
-          <a:fontRef idx="minor">
-            <a:schemeClr val="tx1"/>
-          </a:fontRef>
-        </p:style>
-      </p:cxnSp>
-      <p:cxnSp>
-        <p:nvCxnSpPr>
-          <p:cNvPr id="15" name="Straight Connector 14"/>
-          <p:cNvCxnSpPr/>
-          <p:nvPr/>
-        </p:nvCxnSpPr>
-        <p:spPr>
-          <a:xfrm flipV="1">
-            <a:off x="3251200" y="2832100"/>
-            <a:ext cx="0" cy="412574"/>
-          </a:xfrm>
-          <a:prstGeom prst="line">
-            <a:avLst/>
-          </a:prstGeom>
-          <a:ln>
-            <a:solidFill>
-              <a:schemeClr val="tx1"/>
-            </a:solidFill>
-          </a:ln>
-        </p:spPr>
-        <p:style>
-          <a:lnRef idx="2">
-            <a:schemeClr val="accent1"/>
-          </a:lnRef>
-          <a:fillRef idx="0">
-            <a:schemeClr val="accent1"/>
-          </a:fillRef>
-          <a:effectRef idx="1">
-            <a:schemeClr val="accent1"/>
-          </a:effectRef>
-          <a:fontRef idx="minor">
-            <a:schemeClr val="tx1"/>
-          </a:fontRef>
-        </p:style>
-      </p:cxnSp>
-      <p:cxnSp>
-        <p:nvCxnSpPr>
-          <p:cNvPr id="16" name="Straight Connector 15"/>
-          <p:cNvCxnSpPr/>
-          <p:nvPr/>
-        </p:nvCxnSpPr>
-        <p:spPr>
-          <a:xfrm flipV="1">
-            <a:off x="3530600" y="2819400"/>
-            <a:ext cx="0" cy="412574"/>
-          </a:xfrm>
-          <a:prstGeom prst="line">
-            <a:avLst/>
-          </a:prstGeom>
-          <a:ln>
-            <a:solidFill>
-              <a:schemeClr val="tx1"/>
-            </a:solidFill>
-          </a:ln>
-        </p:spPr>
-        <p:style>
-          <a:lnRef idx="2">
-            <a:schemeClr val="accent1"/>
-          </a:lnRef>
-          <a:fillRef idx="0">
-            <a:schemeClr val="accent1"/>
-          </a:fillRef>
-          <a:effectRef idx="1">
-            <a:schemeClr val="accent1"/>
-          </a:effectRef>
-          <a:fontRef idx="minor">
-            <a:schemeClr val="tx1"/>
-          </a:fontRef>
-        </p:style>
-      </p:cxnSp>
-      <p:cxnSp>
-        <p:nvCxnSpPr>
-          <p:cNvPr id="17" name="Straight Connector 16"/>
-          <p:cNvCxnSpPr/>
-          <p:nvPr/>
-        </p:nvCxnSpPr>
-        <p:spPr>
-          <a:xfrm flipV="1">
-            <a:off x="3771900" y="2819400"/>
-            <a:ext cx="0" cy="412574"/>
-          </a:xfrm>
-          <a:prstGeom prst="line">
-            <a:avLst/>
-          </a:prstGeom>
-          <a:ln>
-            <a:solidFill>
-              <a:schemeClr val="tx1"/>
-            </a:solidFill>
-          </a:ln>
-        </p:spPr>
-        <p:style>
-          <a:lnRef idx="2">
-            <a:schemeClr val="accent1"/>
-          </a:lnRef>
-          <a:fillRef idx="0">
-            <a:schemeClr val="accent1"/>
-          </a:fillRef>
-          <a:effectRef idx="1">
-            <a:schemeClr val="accent1"/>
-          </a:effectRef>
-          <a:fontRef idx="minor">
-            <a:schemeClr val="tx1"/>
-          </a:fontRef>
-        </p:style>
-      </p:cxnSp>
-      <p:cxnSp>
-        <p:nvCxnSpPr>
-          <p:cNvPr id="18" name="Straight Connector 17"/>
-          <p:cNvCxnSpPr/>
-          <p:nvPr/>
-        </p:nvCxnSpPr>
-        <p:spPr>
-          <a:xfrm flipV="1">
-            <a:off x="4013200" y="2832100"/>
-            <a:ext cx="0" cy="412574"/>
-          </a:xfrm>
-          <a:prstGeom prst="line">
-            <a:avLst/>
-          </a:prstGeom>
-          <a:ln>
-            <a:solidFill>
-              <a:schemeClr val="tx1"/>
-            </a:solidFill>
-          </a:ln>
-        </p:spPr>
-        <p:style>
-          <a:lnRef idx="2">
-            <a:schemeClr val="accent1"/>
-          </a:lnRef>
-          <a:fillRef idx="0">
-            <a:schemeClr val="accent1"/>
-          </a:fillRef>
-          <a:effectRef idx="1">
-            <a:schemeClr val="accent1"/>
-          </a:effectRef>
-          <a:fontRef idx="minor">
-            <a:schemeClr val="tx1"/>
-          </a:fontRef>
-        </p:style>
-      </p:cxnSp>
-      <p:cxnSp>
-        <p:nvCxnSpPr>
-          <p:cNvPr id="19" name="Straight Connector 18"/>
-          <p:cNvCxnSpPr/>
-          <p:nvPr/>
-        </p:nvCxnSpPr>
-        <p:spPr>
-          <a:xfrm flipV="1">
-            <a:off x="4267200" y="2819400"/>
-            <a:ext cx="0" cy="412574"/>
-          </a:xfrm>
-          <a:prstGeom prst="line">
-            <a:avLst/>
-          </a:prstGeom>
-          <a:ln>
-            <a:solidFill>
-              <a:schemeClr val="tx1"/>
-            </a:solidFill>
-          </a:ln>
-        </p:spPr>
-        <p:style>
-          <a:lnRef idx="2">
-            <a:schemeClr val="accent1"/>
-          </a:lnRef>
-          <a:fillRef idx="0">
-            <a:schemeClr val="accent1"/>
-          </a:fillRef>
-          <a:effectRef idx="1">
-            <a:schemeClr val="accent1"/>
-          </a:effectRef>
-          <a:fontRef idx="minor">
-            <a:schemeClr val="tx1"/>
-          </a:fontRef>
-        </p:style>
-      </p:cxnSp>
-      <p:cxnSp>
-        <p:nvCxnSpPr>
-          <p:cNvPr id="20" name="Straight Connector 19"/>
-          <p:cNvCxnSpPr/>
-          <p:nvPr/>
-        </p:nvCxnSpPr>
-        <p:spPr>
-          <a:xfrm flipV="1">
-            <a:off x="4508500" y="2819400"/>
-            <a:ext cx="0" cy="412574"/>
-          </a:xfrm>
-          <a:prstGeom prst="line">
-            <a:avLst/>
-          </a:prstGeom>
-          <a:ln>
-            <a:solidFill>
-              <a:schemeClr val="tx1"/>
-            </a:solidFill>
-          </a:ln>
-        </p:spPr>
-        <p:style>
-          <a:lnRef idx="2">
-            <a:schemeClr val="accent1"/>
-          </a:lnRef>
-          <a:fillRef idx="0">
-            <a:schemeClr val="accent1"/>
-          </a:fillRef>
-          <a:effectRef idx="1">
-            <a:schemeClr val="accent1"/>
-          </a:effectRef>
-          <a:fontRef idx="minor">
-            <a:schemeClr val="tx1"/>
-          </a:fontRef>
-        </p:style>
-      </p:cxnSp>
-      <p:cxnSp>
-        <p:nvCxnSpPr>
-          <p:cNvPr id="21" name="Straight Connector 20"/>
-          <p:cNvCxnSpPr/>
-          <p:nvPr/>
-        </p:nvCxnSpPr>
-        <p:spPr>
-          <a:xfrm flipV="1">
-            <a:off x="4749800" y="2832100"/>
-            <a:ext cx="0" cy="412574"/>
-          </a:xfrm>
-          <a:prstGeom prst="line">
-            <a:avLst/>
-          </a:prstGeom>
-          <a:ln>
-            <a:solidFill>
-              <a:schemeClr val="tx1"/>
-            </a:solidFill>
-          </a:ln>
-        </p:spPr>
-        <p:style>
-          <a:lnRef idx="2">
-            <a:schemeClr val="accent1"/>
-          </a:lnRef>
-          <a:fillRef idx="0">
-            <a:schemeClr val="accent1"/>
-          </a:fillRef>
-          <a:effectRef idx="1">
-            <a:schemeClr val="accent1"/>
-          </a:effectRef>
-          <a:fontRef idx="minor">
-            <a:schemeClr val="tx1"/>
-          </a:fontRef>
-        </p:style>
-      </p:cxnSp>
-      <p:cxnSp>
-        <p:nvCxnSpPr>
-          <p:cNvPr id="22" name="Straight Connector 21"/>
-          <p:cNvCxnSpPr/>
-          <p:nvPr/>
-        </p:nvCxnSpPr>
-        <p:spPr>
-          <a:xfrm flipV="1">
-            <a:off x="5003800" y="2832100"/>
-            <a:ext cx="0" cy="412574"/>
-          </a:xfrm>
-          <a:prstGeom prst="line">
-            <a:avLst/>
-          </a:prstGeom>
-          <a:ln>
-            <a:solidFill>
-              <a:schemeClr val="tx1"/>
-            </a:solidFill>
-          </a:ln>
-        </p:spPr>
-        <p:style>
-          <a:lnRef idx="2">
-            <a:schemeClr val="accent1"/>
-          </a:lnRef>
-          <a:fillRef idx="0">
-            <a:schemeClr val="accent1"/>
-          </a:fillRef>
-          <a:effectRef idx="1">
-            <a:schemeClr val="accent1"/>
-          </a:effectRef>
-          <a:fontRef idx="minor">
-            <a:schemeClr val="tx1"/>
-          </a:fontRef>
-        </p:style>
-      </p:cxnSp>
-      <p:cxnSp>
-        <p:nvCxnSpPr>
-          <p:cNvPr id="23" name="Straight Connector 22"/>
-          <p:cNvCxnSpPr/>
-          <p:nvPr/>
-        </p:nvCxnSpPr>
-        <p:spPr>
-          <a:xfrm flipV="1">
-            <a:off x="5245100" y="2832100"/>
-            <a:ext cx="0" cy="412574"/>
-          </a:xfrm>
-          <a:prstGeom prst="line">
-            <a:avLst/>
-          </a:prstGeom>
-          <a:ln>
-            <a:solidFill>
-              <a:schemeClr val="tx1"/>
-            </a:solidFill>
-          </a:ln>
-        </p:spPr>
-        <p:style>
-          <a:lnRef idx="2">
-            <a:schemeClr val="accent1"/>
-          </a:lnRef>
-          <a:fillRef idx="0">
-            <a:schemeClr val="accent1"/>
-          </a:fillRef>
-          <a:effectRef idx="1">
-            <a:schemeClr val="accent1"/>
-          </a:effectRef>
-          <a:fontRef idx="minor">
-            <a:schemeClr val="tx1"/>
-          </a:fontRef>
-        </p:style>
-      </p:cxnSp>
-      <p:cxnSp>
-        <p:nvCxnSpPr>
-          <p:cNvPr id="24" name="Straight Connector 23"/>
-          <p:cNvCxnSpPr/>
-          <p:nvPr/>
-        </p:nvCxnSpPr>
-        <p:spPr>
-          <a:xfrm flipV="1">
-            <a:off x="5486400" y="2844800"/>
-            <a:ext cx="0" cy="412574"/>
-          </a:xfrm>
-          <a:prstGeom prst="line">
-            <a:avLst/>
-          </a:prstGeom>
-          <a:ln>
-            <a:solidFill>
-              <a:schemeClr val="tx1"/>
-            </a:solidFill>
-          </a:ln>
-        </p:spPr>
-        <p:style>
-          <a:lnRef idx="2">
-            <a:schemeClr val="accent1"/>
-          </a:lnRef>
-          <a:fillRef idx="0">
-            <a:schemeClr val="accent1"/>
-          </a:fillRef>
-          <a:effectRef idx="1">
-            <a:schemeClr val="accent1"/>
-          </a:effectRef>
-          <a:fontRef idx="minor">
-            <a:schemeClr val="tx1"/>
-          </a:fontRef>
-        </p:style>
-      </p:cxnSp>
-      <p:cxnSp>
-        <p:nvCxnSpPr>
-          <p:cNvPr id="25" name="Straight Connector 24"/>
-          <p:cNvCxnSpPr/>
-          <p:nvPr/>
-        </p:nvCxnSpPr>
-        <p:spPr>
-          <a:xfrm flipV="1">
-            <a:off x="5727700" y="2844800"/>
-            <a:ext cx="0" cy="412574"/>
-          </a:xfrm>
-          <a:prstGeom prst="line">
-            <a:avLst/>
-          </a:prstGeom>
-          <a:ln>
-            <a:solidFill>
-              <a:schemeClr val="tx1"/>
-            </a:solidFill>
-          </a:ln>
-        </p:spPr>
-        <p:style>
-          <a:lnRef idx="2">
-            <a:schemeClr val="accent1"/>
-          </a:lnRef>
-          <a:fillRef idx="0">
-            <a:schemeClr val="accent1"/>
-          </a:fillRef>
-          <a:effectRef idx="1">
-            <a:schemeClr val="accent1"/>
-          </a:effectRef>
-          <a:fontRef idx="minor">
-            <a:schemeClr val="tx1"/>
-          </a:fontRef>
-        </p:style>
-      </p:cxnSp>
-      <p:cxnSp>
-        <p:nvCxnSpPr>
-          <p:cNvPr id="26" name="Straight Connector 25"/>
-          <p:cNvCxnSpPr/>
-          <p:nvPr/>
-        </p:nvCxnSpPr>
-        <p:spPr>
-          <a:xfrm flipV="1">
-            <a:off x="5969000" y="2844800"/>
-            <a:ext cx="0" cy="412574"/>
-          </a:xfrm>
-          <a:prstGeom prst="line">
-            <a:avLst/>
-          </a:prstGeom>
-          <a:ln>
-            <a:solidFill>
-              <a:schemeClr val="tx1"/>
-            </a:solidFill>
-          </a:ln>
-        </p:spPr>
-        <p:style>
-          <a:lnRef idx="2">
-            <a:schemeClr val="accent1"/>
-          </a:lnRef>
-          <a:fillRef idx="0">
-            <a:schemeClr val="accent1"/>
-          </a:fillRef>
-          <a:effectRef idx="1">
-            <a:schemeClr val="accent1"/>
-          </a:effectRef>
-          <a:fontRef idx="minor">
-            <a:schemeClr val="tx1"/>
-          </a:fontRef>
-        </p:style>
-      </p:cxnSp>
-      <p:cxnSp>
-        <p:nvCxnSpPr>
-          <p:cNvPr id="27" name="Straight Connector 26"/>
-          <p:cNvCxnSpPr/>
-          <p:nvPr/>
-        </p:nvCxnSpPr>
-        <p:spPr>
-          <a:xfrm flipV="1">
-            <a:off x="6197600" y="2832100"/>
-            <a:ext cx="0" cy="412574"/>
-          </a:xfrm>
-          <a:prstGeom prst="line">
-            <a:avLst/>
-          </a:prstGeom>
-          <a:ln>
-            <a:solidFill>
-              <a:schemeClr val="tx1"/>
-            </a:solidFill>
-          </a:ln>
-        </p:spPr>
-        <p:style>
-          <a:lnRef idx="2">
-            <a:schemeClr val="accent1"/>
-          </a:lnRef>
-          <a:fillRef idx="0">
-            <a:schemeClr val="accent1"/>
-          </a:fillRef>
-          <a:effectRef idx="1">
-            <a:schemeClr val="accent1"/>
-          </a:effectRef>
-          <a:fontRef idx="minor">
-            <a:schemeClr val="tx1"/>
-          </a:fontRef>
-        </p:style>
-      </p:cxnSp>
-      <p:cxnSp>
-        <p:nvCxnSpPr>
-          <p:cNvPr id="28" name="Straight Connector 27"/>
-          <p:cNvCxnSpPr/>
-          <p:nvPr/>
-        </p:nvCxnSpPr>
-        <p:spPr>
-          <a:xfrm flipV="1">
-            <a:off x="6413500" y="2832100"/>
-            <a:ext cx="0" cy="412574"/>
-          </a:xfrm>
-          <a:prstGeom prst="line">
-            <a:avLst/>
-          </a:prstGeom>
-          <a:ln>
-            <a:solidFill>
-              <a:schemeClr val="tx1"/>
-            </a:solidFill>
-          </a:ln>
-        </p:spPr>
-        <p:style>
-          <a:lnRef idx="2">
-            <a:schemeClr val="accent1"/>
-          </a:lnRef>
-          <a:fillRef idx="0">
-            <a:schemeClr val="accent1"/>
-          </a:fillRef>
-          <a:effectRef idx="1">
-            <a:schemeClr val="accent1"/>
-          </a:effectRef>
-          <a:fontRef idx="minor">
-            <a:schemeClr val="tx1"/>
-          </a:fontRef>
-        </p:style>
-      </p:cxnSp>
-      <p:cxnSp>
-        <p:nvCxnSpPr>
-          <p:cNvPr id="29" name="Straight Connector 28"/>
-          <p:cNvCxnSpPr/>
-          <p:nvPr/>
-        </p:nvCxnSpPr>
-        <p:spPr>
-          <a:xfrm flipV="1">
-            <a:off x="6692900" y="2832100"/>
-            <a:ext cx="0" cy="412574"/>
-          </a:xfrm>
-          <a:prstGeom prst="line">
-            <a:avLst/>
-          </a:prstGeom>
-          <a:ln>
-            <a:solidFill>
-              <a:schemeClr val="tx1"/>
-            </a:solidFill>
-          </a:ln>
-        </p:spPr>
-        <p:style>
-          <a:lnRef idx="2">
-            <a:schemeClr val="accent1"/>
-          </a:lnRef>
-          <a:fillRef idx="0">
-            <a:schemeClr val="accent1"/>
-          </a:fillRef>
-          <a:effectRef idx="1">
-            <a:schemeClr val="accent1"/>
-          </a:effectRef>
-          <a:fontRef idx="minor">
-            <a:schemeClr val="tx1"/>
-          </a:fontRef>
-        </p:style>
-      </p:cxnSp>
-      <p:cxnSp>
-        <p:nvCxnSpPr>
-          <p:cNvPr id="30" name="Straight Connector 29"/>
-          <p:cNvCxnSpPr/>
-          <p:nvPr/>
-        </p:nvCxnSpPr>
-        <p:spPr>
-          <a:xfrm flipV="1">
-            <a:off x="6921500" y="2832100"/>
-            <a:ext cx="0" cy="412574"/>
-          </a:xfrm>
-          <a:prstGeom prst="line">
-            <a:avLst/>
-          </a:prstGeom>
-          <a:ln>
-            <a:solidFill>
-              <a:schemeClr val="tx1"/>
-            </a:solidFill>
-          </a:ln>
-        </p:spPr>
-        <p:style>
-          <a:lnRef idx="2">
-            <a:schemeClr val="accent1"/>
-          </a:lnRef>
-          <a:fillRef idx="0">
-            <a:schemeClr val="accent1"/>
-          </a:fillRef>
-          <a:effectRef idx="1">
-            <a:schemeClr val="accent1"/>
-          </a:effectRef>
-          <a:fontRef idx="minor">
-            <a:schemeClr val="tx1"/>
-          </a:fontRef>
-        </p:style>
-      </p:cxnSp>
-    </p:spTree>
-    <p:extLst>
-      <p:ext uri="{BB962C8B-B14F-4D97-AF65-F5344CB8AC3E}">
-        <p14:creationId xmlns:p14="http://schemas.microsoft.com/office/powerpoint/2010/main" val="2493919257"/>
-      </p:ext>
-    </p:extLst>
-  </p:cSld>
-  <p:clrMapOvr>
-    <a:masterClrMapping/>
-  </p:clrMapOvr>
-  <p:timing>
-    <p:tnLst>
-      <p:par>
-        <p:cTn xmlns:p14="http://schemas.microsoft.com/office/powerpoint/2010/main" id="1" dur="indefinite" restart="never" nodeType="tmRoot"/>
-      </p:par>
-    </p:tnLst>
-  </p:timing>
-</p:sld>
-</file>
-
 <file path=ppt/slides/slide9.xml><?xml version="1.0" encoding="utf-8"?>
 <p:sld xmlns:a="http://schemas.openxmlformats.org/drawingml/2006/main" xmlns:r="http://schemas.openxmlformats.org/officeDocument/2006/relationships" xmlns:p="http://schemas.openxmlformats.org/presentationml/2006/main">
   <p:cSld>
@@ -21861,7 +21034,7 @@
           <a:p>
             <a:r>
               <a:rPr lang="en-US" dirty="0" smtClean="0"/>
-              <a:t>Quick Aside: 5’ vs. 3’</a:t>
+              <a:t>Protein Synthesis Detailed Example</a:t>
             </a:r>
             <a:endParaRPr lang="en-US" dirty="0"/>
           </a:p>
@@ -21875,7 +21048,7 @@
         </p:nvSpPr>
         <p:spPr>
           <a:xfrm>
-            <a:off x="635035" y="3410062"/>
+            <a:off x="635035" y="2140062"/>
             <a:ext cx="8051765" cy="584776"/>
           </a:xfrm>
           <a:prstGeom prst="rect">
@@ -21921,7 +21094,7 @@
         </p:nvSpPr>
         <p:spPr>
           <a:xfrm>
-            <a:off x="635035" y="4501974"/>
+            <a:off x="635035" y="3231974"/>
             <a:ext cx="8051765" cy="584776"/>
           </a:xfrm>
           <a:prstGeom prst="rect">
@@ -21957,7 +21130,7 @@
         </p:nvCxnSpPr>
         <p:spPr>
           <a:xfrm flipV="1">
-            <a:off x="2057400" y="4089400"/>
+            <a:off x="2057400" y="2819400"/>
             <a:ext cx="0" cy="412574"/>
           </a:xfrm>
           <a:prstGeom prst="line">
@@ -21992,7 +21165,7 @@
         </p:nvCxnSpPr>
         <p:spPr>
           <a:xfrm flipV="1">
-            <a:off x="2298700" y="4089400"/>
+            <a:off x="2298700" y="2819400"/>
             <a:ext cx="0" cy="412574"/>
           </a:xfrm>
           <a:prstGeom prst="line">
@@ -22027,7 +21200,7 @@
         </p:nvCxnSpPr>
         <p:spPr>
           <a:xfrm flipV="1">
-            <a:off x="2540000" y="4102100"/>
+            <a:off x="2540000" y="2832100"/>
             <a:ext cx="0" cy="412574"/>
           </a:xfrm>
           <a:prstGeom prst="line">
@@ -22062,7 +21235,7 @@
         </p:nvCxnSpPr>
         <p:spPr>
           <a:xfrm flipV="1">
-            <a:off x="2768600" y="4089400"/>
+            <a:off x="2768600" y="2819400"/>
             <a:ext cx="0" cy="412574"/>
           </a:xfrm>
           <a:prstGeom prst="line">
@@ -22097,7 +21270,7 @@
         </p:nvCxnSpPr>
         <p:spPr>
           <a:xfrm flipV="1">
-            <a:off x="3009900" y="4089400"/>
+            <a:off x="3009900" y="2819400"/>
             <a:ext cx="0" cy="412574"/>
           </a:xfrm>
           <a:prstGeom prst="line">
@@ -22132,7 +21305,7 @@
         </p:nvCxnSpPr>
         <p:spPr>
           <a:xfrm flipV="1">
-            <a:off x="3251200" y="4102100"/>
+            <a:off x="3251200" y="2832100"/>
             <a:ext cx="0" cy="412574"/>
           </a:xfrm>
           <a:prstGeom prst="line">
@@ -22167,7 +21340,7 @@
         </p:nvCxnSpPr>
         <p:spPr>
           <a:xfrm flipV="1">
-            <a:off x="3530600" y="4089400"/>
+            <a:off x="3530600" y="2819400"/>
             <a:ext cx="0" cy="412574"/>
           </a:xfrm>
           <a:prstGeom prst="line">
@@ -22202,7 +21375,7 @@
         </p:nvCxnSpPr>
         <p:spPr>
           <a:xfrm flipV="1">
-            <a:off x="3771900" y="4089400"/>
+            <a:off x="3771900" y="2819400"/>
             <a:ext cx="0" cy="412574"/>
           </a:xfrm>
           <a:prstGeom prst="line">
@@ -22237,7 +21410,7 @@
         </p:nvCxnSpPr>
         <p:spPr>
           <a:xfrm flipV="1">
-            <a:off x="4013200" y="4102100"/>
+            <a:off x="4013200" y="2832100"/>
             <a:ext cx="0" cy="412574"/>
           </a:xfrm>
           <a:prstGeom prst="line">
@@ -22272,7 +21445,7 @@
         </p:nvCxnSpPr>
         <p:spPr>
           <a:xfrm flipV="1">
-            <a:off x="4267200" y="4089400"/>
+            <a:off x="4267200" y="2819400"/>
             <a:ext cx="0" cy="412574"/>
           </a:xfrm>
           <a:prstGeom prst="line">
@@ -22307,7 +21480,7 @@
         </p:nvCxnSpPr>
         <p:spPr>
           <a:xfrm flipV="1">
-            <a:off x="4508500" y="4089400"/>
+            <a:off x="4508500" y="2819400"/>
             <a:ext cx="0" cy="412574"/>
           </a:xfrm>
           <a:prstGeom prst="line">
@@ -22342,7 +21515,7 @@
         </p:nvCxnSpPr>
         <p:spPr>
           <a:xfrm flipV="1">
-            <a:off x="4749800" y="4102100"/>
+            <a:off x="4749800" y="2832100"/>
             <a:ext cx="0" cy="412574"/>
           </a:xfrm>
           <a:prstGeom prst="line">
@@ -22377,7 +21550,7 @@
         </p:nvCxnSpPr>
         <p:spPr>
           <a:xfrm flipV="1">
-            <a:off x="5003800" y="4102100"/>
+            <a:off x="5003800" y="2832100"/>
             <a:ext cx="0" cy="412574"/>
           </a:xfrm>
           <a:prstGeom prst="line">
@@ -22412,7 +21585,7 @@
         </p:nvCxnSpPr>
         <p:spPr>
           <a:xfrm flipV="1">
-            <a:off x="5245100" y="4102100"/>
+            <a:off x="5245100" y="2832100"/>
             <a:ext cx="0" cy="412574"/>
           </a:xfrm>
           <a:prstGeom prst="line">
@@ -22447,7 +21620,7 @@
         </p:nvCxnSpPr>
         <p:spPr>
           <a:xfrm flipV="1">
-            <a:off x="5486400" y="4114800"/>
+            <a:off x="5486400" y="2844800"/>
             <a:ext cx="0" cy="412574"/>
           </a:xfrm>
           <a:prstGeom prst="line">
@@ -22482,7 +21655,7 @@
         </p:nvCxnSpPr>
         <p:spPr>
           <a:xfrm flipV="1">
-            <a:off x="5727700" y="4114800"/>
+            <a:off x="5727700" y="2844800"/>
             <a:ext cx="0" cy="412574"/>
           </a:xfrm>
           <a:prstGeom prst="line">
@@ -22517,7 +21690,7 @@
         </p:nvCxnSpPr>
         <p:spPr>
           <a:xfrm flipV="1">
-            <a:off x="5969000" y="4114800"/>
+            <a:off x="5969000" y="2844800"/>
             <a:ext cx="0" cy="412574"/>
           </a:xfrm>
           <a:prstGeom prst="line">
@@ -22552,7 +21725,7 @@
         </p:nvCxnSpPr>
         <p:spPr>
           <a:xfrm flipV="1">
-            <a:off x="6197600" y="4102100"/>
+            <a:off x="6197600" y="2832100"/>
             <a:ext cx="0" cy="412574"/>
           </a:xfrm>
           <a:prstGeom prst="line">
@@ -22587,7 +21760,7 @@
         </p:nvCxnSpPr>
         <p:spPr>
           <a:xfrm flipV="1">
-            <a:off x="6413500" y="4102100"/>
+            <a:off x="6413500" y="2832100"/>
             <a:ext cx="0" cy="412574"/>
           </a:xfrm>
           <a:prstGeom prst="line">
@@ -22622,7 +21795,7 @@
         </p:nvCxnSpPr>
         <p:spPr>
           <a:xfrm flipV="1">
-            <a:off x="6692900" y="4102100"/>
+            <a:off x="6692900" y="2832100"/>
             <a:ext cx="0" cy="412574"/>
           </a:xfrm>
           <a:prstGeom prst="line">
@@ -22657,7 +21830,7 @@
         </p:nvCxnSpPr>
         <p:spPr>
           <a:xfrm flipV="1">
-            <a:off x="6921500" y="4102100"/>
+            <a:off x="6921500" y="2832100"/>
             <a:ext cx="0" cy="412574"/>
           </a:xfrm>
           <a:prstGeom prst="line">
@@ -22684,40 +21857,16 @@
           </a:fontRef>
         </p:style>
       </p:cxnSp>
-      <p:pic>
-        <p:nvPicPr>
-          <p:cNvPr id="3" name="Picture 2"/>
-          <p:cNvPicPr>
-            <a:picLocks noChangeAspect="1"/>
-          </p:cNvPicPr>
-          <p:nvPr/>
-        </p:nvPicPr>
-        <p:blipFill>
-          <a:blip r:embed="rId3"/>
-          <a:stretch>
-            <a:fillRect/>
-          </a:stretch>
-        </p:blipFill>
+      <p:sp>
+        <p:nvSpPr>
+          <p:cNvPr id="3" name="TextBox 2"/>
+          <p:cNvSpPr txBox="1"/>
+          <p:nvPr/>
+        </p:nvSpPr>
         <p:spPr>
           <a:xfrm>
-            <a:off x="2006600" y="1651734"/>
-            <a:ext cx="4800600" cy="1493520"/>
-          </a:xfrm>
-          <a:prstGeom prst="rect">
-            <a:avLst/>
-          </a:prstGeom>
-        </p:spPr>
-      </p:pic>
-      <p:sp>
-        <p:nvSpPr>
-          <p:cNvPr id="4" name="TextBox 3"/>
-          <p:cNvSpPr txBox="1"/>
-          <p:nvPr/>
-        </p:nvSpPr>
-        <p:spPr>
-          <a:xfrm>
-            <a:off x="457200" y="6345654"/>
-            <a:ext cx="8331200" cy="338554"/>
+            <a:off x="457200" y="4826000"/>
+            <a:ext cx="8229600" cy="1200328"/>
           </a:xfrm>
           <a:prstGeom prst="rect">
             <a:avLst/>
@@ -22731,37 +21880,21 @@
           <a:lstStyle/>
           <a:p>
             <a:r>
-              <a:rPr lang="en-US" sz="1600" b="1" dirty="0" smtClean="0"/>
-              <a:t>Image source: http://</a:t>
-            </a:r>
-            <a:r>
-              <a:rPr lang="en-US" sz="1600" b="1" dirty="0" err="1" smtClean="0"/>
-              <a:t>www.vivo.colostate.edu</a:t>
-            </a:r>
-            <a:r>
-              <a:rPr lang="en-US" sz="1600" b="1" dirty="0" smtClean="0"/>
-              <a:t>/</a:t>
-            </a:r>
-            <a:r>
-              <a:rPr lang="en-US" sz="1600" b="1" dirty="0" err="1" smtClean="0"/>
-              <a:t>hbooks</a:t>
-            </a:r>
-            <a:r>
-              <a:rPr lang="en-US" sz="1600" b="1" dirty="0" smtClean="0"/>
-              <a:t>/genetics/biotech/basics/</a:t>
-            </a:r>
-            <a:r>
-              <a:rPr lang="en-US" sz="1600" b="1" dirty="0" err="1" smtClean="0"/>
-              <a:t>nastruct.html</a:t>
-            </a:r>
-            <a:endParaRPr lang="en-US" sz="1600" b="1" dirty="0"/>
+              <a:rPr lang="en-US" sz="2400" b="1" dirty="0" smtClean="0"/>
+              <a:t>Aside: </a:t>
+            </a:r>
+            <a:r>
+              <a:rPr lang="en-US" sz="2400" dirty="0" smtClean="0"/>
+              <a:t>The 5’ and 3’ are useful when talking about the directionality of certain processes related to protein synthesis.  More later.</a:t>
+            </a:r>
+            <a:endParaRPr lang="en-US" sz="2400" dirty="0"/>
           </a:p>
         </p:txBody>
       </p:sp>
     </p:spTree>
     <p:extLst>
       <p:ext uri="{BB962C8B-B14F-4D97-AF65-F5344CB8AC3E}">
-        <p14:creationId xmlns:p14="http://schemas.microsoft.com/office/powerpoint/2010/main" val="2304118323"/>
+        <p14:creationId xmlns:p14="http://schemas.microsoft.com/office/powerpoint/2010/main" val="2493919257"/>
       </p:ext>
     </p:extLst>
   </p:cSld>
@@ -22771,83 +21904,9 @@
   <p:timing>
     <p:tnLst>
       <p:par>
-        <p:cTn xmlns:p14="http://schemas.microsoft.com/office/powerpoint/2010/main" id="1" dur="indefinite" restart="never" nodeType="tmRoot">
-          <p:childTnLst>
-            <p:seq concurrent="1" nextAc="seek">
-              <p:cTn id="2" dur="indefinite" nodeType="mainSeq">
-                <p:childTnLst>
-                  <p:par>
-                    <p:cTn id="3" fill="hold">
-                      <p:stCondLst>
-                        <p:cond delay="indefinite"/>
-                        <p:cond evt="onBegin" delay="0">
-                          <p:tn val="2"/>
-                        </p:cond>
-                      </p:stCondLst>
-                      <p:childTnLst>
-                        <p:par>
-                          <p:cTn id="4" fill="hold">
-                            <p:stCondLst>
-                              <p:cond delay="0"/>
-                            </p:stCondLst>
-                            <p:childTnLst>
-                              <p:par>
-                                <p:cTn id="5" presetID="1" presetClass="entr" presetSubtype="0" fill="hold" grpId="0" nodeType="withEffect">
-                                  <p:stCondLst>
-                                    <p:cond delay="0"/>
-                                  </p:stCondLst>
-                                  <p:childTnLst>
-                                    <p:set>
-                                      <p:cBhvr>
-                                        <p:cTn id="6" dur="1" fill="hold">
-                                          <p:stCondLst>
-                                            <p:cond delay="0"/>
-                                          </p:stCondLst>
-                                        </p:cTn>
-                                        <p:tgtEl>
-                                          <p:spTgt spid="4"/>
-                                        </p:tgtEl>
-                                        <p:attrNameLst>
-                                          <p:attrName>style.visibility</p:attrName>
-                                        </p:attrNameLst>
-                                      </p:cBhvr>
-                                      <p:to>
-                                        <p:strVal val="visible"/>
-                                      </p:to>
-                                    </p:set>
-                                  </p:childTnLst>
-                                </p:cTn>
-                              </p:par>
-                            </p:childTnLst>
-                          </p:cTn>
-                        </p:par>
-                      </p:childTnLst>
-                    </p:cTn>
-                  </p:par>
-                </p:childTnLst>
-              </p:cTn>
-              <p:prevCondLst>
-                <p:cond evt="onPrev" delay="0">
-                  <p:tgtEl>
-                    <p:sldTgt/>
-                  </p:tgtEl>
-                </p:cond>
-              </p:prevCondLst>
-              <p:nextCondLst>
-                <p:cond evt="onNext" delay="0">
-                  <p:tgtEl>
-                    <p:sldTgt/>
-                  </p:tgtEl>
-                </p:cond>
-              </p:nextCondLst>
-            </p:seq>
-          </p:childTnLst>
-        </p:cTn>
+        <p:cTn xmlns:p14="http://schemas.microsoft.com/office/powerpoint/2010/main" id="1" dur="indefinite" restart="never" nodeType="tmRoot"/>
       </p:par>
     </p:tnLst>
-    <p:bldLst>
-      <p:bldP spid="4" grpId="0"/>
-    </p:bldLst>
   </p:timing>
 </p:sld>
 </file>
